--- a/P5P.pptx
+++ b/P5P.pptx
@@ -13,13 +13,12 @@
     <p:sldId id="262" r:id="rId7"/>
     <p:sldId id="263" r:id="rId8"/>
     <p:sldId id="269" r:id="rId9"/>
-    <p:sldId id="270" r:id="rId10"/>
-    <p:sldId id="265" r:id="rId11"/>
-    <p:sldId id="266" r:id="rId12"/>
-    <p:sldId id="271" r:id="rId13"/>
-    <p:sldId id="272" r:id="rId14"/>
-    <p:sldId id="274" r:id="rId15"/>
-    <p:sldId id="258" r:id="rId16"/>
+    <p:sldId id="265" r:id="rId10"/>
+    <p:sldId id="266" r:id="rId11"/>
+    <p:sldId id="271" r:id="rId12"/>
+    <p:sldId id="272" r:id="rId13"/>
+    <p:sldId id="274" r:id="rId14"/>
+    <p:sldId id="258" r:id="rId15"/>
   </p:sldIdLst>
   <p:sldSz cx="12192000" cy="6858000"/>
   <p:notesSz cx="6858000" cy="9144000"/>
@@ -118,6 +117,11 @@
       </a:defRPr>
     </a:lvl9pPr>
   </p:defaultTextStyle>
+  <p:extLst>
+    <p:ext uri="{EFAFB233-063F-42B5-8137-9DF3F51BA10A}">
+      <p15:sldGuideLst xmlns:p15="http://schemas.microsoft.com/office/powerpoint/2012/main"/>
+    </p:ext>
+  </p:extLst>
 </p:presentation>
 </file>
 
@@ -4506,50 +4510,25 @@
               <a:buNone/>
             </a:pPr>
             <a:r>
-              <a:rPr lang="en-US" sz="2000" dirty="0">
+              <a:rPr lang="en-US" sz="2000" dirty="0" err="1">
                 <a:solidFill>
                   <a:srgbClr val="FFFFFF"/>
                 </a:solidFill>
               </a:rPr>
-              <a:t>Website</a:t>
+              <a:t>Applicatie</a:t>
             </a:r>
-          </a:p>
-        </p:txBody>
-      </p:sp>
-      <p:pic>
-        <p:nvPicPr>
-          <p:cNvPr id="4" name="Tijdelijke aanduiding voor inhoud 4">
-            <a:extLst>
-              <a:ext uri="{FF2B5EF4-FFF2-40B4-BE49-F238E27FC236}">
-                <a16:creationId xmlns:a16="http://schemas.microsoft.com/office/drawing/2014/main" id="{159F701D-D418-719B-CFE9-21601219DAFE}"/>
-              </a:ext>
-            </a:extLst>
-          </p:cNvPr>
-          <p:cNvPicPr>
-            <a:picLocks noChangeAspect="1"/>
-          </p:cNvPicPr>
-          <p:nvPr/>
-        </p:nvPicPr>
-        <p:blipFill>
-          <a:blip r:embed="rId2"/>
-          <a:stretch>
-            <a:fillRect/>
-          </a:stretch>
-        </p:blipFill>
-        <p:spPr>
-          <a:xfrm>
-            <a:off x="-1" y="1570548"/>
-            <a:ext cx="12191997" cy="5287452"/>
-          </a:xfrm>
-          <a:prstGeom prst="rect">
-            <a:avLst/>
-          </a:prstGeom>
-        </p:spPr>
-      </p:pic>
+            <a:endParaRPr lang="en-US" sz="2000" dirty="0">
+              <a:solidFill>
+                <a:srgbClr val="FFFFFF"/>
+              </a:solidFill>
+            </a:endParaRPr>
+          </a:p>
+        </p:txBody>
+      </p:sp>
     </p:spTree>
     <p:extLst>
       <p:ext uri="{BB962C8B-B14F-4D97-AF65-F5344CB8AC3E}">
-        <p14:creationId xmlns:p14="http://schemas.microsoft.com/office/powerpoint/2010/main" val="2960235106"/>
+        <p14:creationId xmlns:p14="http://schemas.microsoft.com/office/powerpoint/2010/main" val="2649983510"/>
       </p:ext>
     </p:extLst>
   </p:cSld>
@@ -4586,10 +4565,10 @@
       </p:grpSpPr>
       <p:sp useBgFill="1">
         <p:nvSpPr>
-          <p:cNvPr id="36" name="Rectangle 35">
-            <a:extLst>
-              <a:ext uri="{FF2B5EF4-FFF2-40B4-BE49-F238E27FC236}">
-                <a16:creationId xmlns:a16="http://schemas.microsoft.com/office/drawing/2014/main" id="{2151139A-886F-4B97-8815-729AD3831BBD}"/>
+          <p:cNvPr id="1031" name="Rectangle 1030">
+            <a:extLst>
+              <a:ext uri="{FF2B5EF4-FFF2-40B4-BE49-F238E27FC236}">
+                <a16:creationId xmlns:a16="http://schemas.microsoft.com/office/drawing/2014/main" id="{A8384FB5-9ADC-4DDC-881B-597D56F5B15D}"/>
               </a:ext>
               <a:ext uri="{C183D7F6-B498-43B3-948B-1728B52AA6E4}">
                 <adec:decorative xmlns:adec="http://schemas.microsoft.com/office/drawing/2017/decorative" val="1"/>
@@ -4656,16 +4635,16 @@
           <a:lstStyle/>
           <a:p>
             <a:pPr algn="ctr"/>
-            <a:endParaRPr lang="en-US" sz="2000"/>
-          </a:p>
-        </p:txBody>
-      </p:sp>
-      <p:sp>
-        <p:nvSpPr>
-          <p:cNvPr id="38" name="Rectangle 37">
-            <a:extLst>
-              <a:ext uri="{FF2B5EF4-FFF2-40B4-BE49-F238E27FC236}">
-                <a16:creationId xmlns:a16="http://schemas.microsoft.com/office/drawing/2014/main" id="{AB5E08C4-8CDD-4623-A5B8-E998C6DEE3B7}"/>
+            <a:endParaRPr lang="en-US"/>
+          </a:p>
+        </p:txBody>
+      </p:sp>
+      <p:sp>
+        <p:nvSpPr>
+          <p:cNvPr id="1033" name="Rectangle 1032">
+            <a:extLst>
+              <a:ext uri="{FF2B5EF4-FFF2-40B4-BE49-F238E27FC236}">
+                <a16:creationId xmlns:a16="http://schemas.microsoft.com/office/drawing/2014/main" id="{1199E1B1-A8C0-4FE8-A5A8-1CB41D69F857}"/>
               </a:ext>
               <a:ext uri="{C183D7F6-B498-43B3-948B-1728B52AA6E4}">
                 <adec:decorative xmlns:adec="http://schemas.microsoft.com/office/drawing/2017/decorative" val="1"/>
@@ -4684,9 +4663,84 @@
           </p:nvPr>
         </p:nvSpPr>
         <p:spPr>
-          <a:xfrm flipH="1">
-            <a:off x="2" y="492"/>
+          <a:xfrm rot="10800000" flipH="1">
+            <a:off x="2" y="0"/>
             <a:ext cx="12191998" cy="1575955"/>
+          </a:xfrm>
+          <a:prstGeom prst="rect">
+            <a:avLst/>
+          </a:prstGeom>
+          <a:gradFill>
+            <a:gsLst>
+              <a:gs pos="0">
+                <a:srgbClr val="000000">
+                  <a:alpha val="96000"/>
+                </a:srgbClr>
+              </a:gs>
+              <a:gs pos="100000">
+                <a:schemeClr val="accent1">
+                  <a:lumMod val="75000"/>
+                </a:schemeClr>
+              </a:gs>
+            </a:gsLst>
+            <a:lin ang="6000000" scaled="0"/>
+          </a:gradFill>
+          <a:ln>
+            <a:noFill/>
+          </a:ln>
+        </p:spPr>
+        <p:style>
+          <a:lnRef idx="2">
+            <a:schemeClr val="accent1">
+              <a:shade val="50000"/>
+            </a:schemeClr>
+          </a:lnRef>
+          <a:fillRef idx="1">
+            <a:schemeClr val="accent1"/>
+          </a:fillRef>
+          <a:effectRef idx="0">
+            <a:schemeClr val="accent1"/>
+          </a:effectRef>
+          <a:fontRef idx="minor">
+            <a:schemeClr val="lt1"/>
+          </a:fontRef>
+        </p:style>
+        <p:txBody>
+          <a:bodyPr rtlCol="0" anchor="ctr"/>
+          <a:lstStyle/>
+          <a:p>
+            <a:pPr algn="ctr"/>
+            <a:endParaRPr lang="en-US"/>
+          </a:p>
+        </p:txBody>
+      </p:sp>
+      <p:sp>
+        <p:nvSpPr>
+          <p:cNvPr id="1035" name="Rectangle 1034">
+            <a:extLst>
+              <a:ext uri="{FF2B5EF4-FFF2-40B4-BE49-F238E27FC236}">
+                <a16:creationId xmlns:a16="http://schemas.microsoft.com/office/drawing/2014/main" id="{84A8DE83-DE75-4B41-9DB4-A7EC0B0DEC0B}"/>
+              </a:ext>
+              <a:ext uri="{C183D7F6-B498-43B3-948B-1728B52AA6E4}">
+                <adec:decorative xmlns:adec="http://schemas.microsoft.com/office/drawing/2017/decorative" val="1"/>
+              </a:ext>
+            </a:extLst>
+          </p:cNvPr>
+          <p:cNvSpPr>
+            <a:spLocks noGrp="1" noRot="1" noChangeAspect="1" noMove="1" noResize="1" noEditPoints="1" noAdjustHandles="1" noChangeArrowheads="1" noChangeShapeType="1" noTextEdit="1"/>
+          </p:cNvSpPr>
+          <p:nvPr>
+            <p:extLst>
+              <p:ext uri="{386F3935-93C4-4BCD-93E2-E3B085C9AB24}">
+                <p16:designElem xmlns:p16="http://schemas.microsoft.com/office/powerpoint/2015/main" val="1"/>
+              </p:ext>
+            </p:extLst>
+          </p:nvPr>
+        </p:nvSpPr>
+        <p:spPr>
+          <a:xfrm>
+            <a:off x="0" y="0"/>
+            <a:ext cx="8128856" cy="1575461"/>
           </a:xfrm>
           <a:prstGeom prst="rect">
             <a:avLst/>
@@ -4695,12 +4749,14 @@
             <a:gsLst>
               <a:gs pos="0">
                 <a:schemeClr val="accent1">
-                  <a:lumMod val="50000"/>
+                  <a:alpha val="41000"/>
                 </a:schemeClr>
               </a:gs>
-              <a:gs pos="100000">
+              <a:gs pos="74000">
                 <a:schemeClr val="accent1">
-                  <a:lumMod val="75000"/>
+                  <a:lumMod val="60000"/>
+                  <a:lumOff val="40000"/>
+                  <a:alpha val="0"/>
                 </a:schemeClr>
               </a:gs>
             </a:gsLst>
@@ -4737,10 +4793,10 @@
       </p:sp>
       <p:sp>
         <p:nvSpPr>
-          <p:cNvPr id="40" name="Rectangle 39">
-            <a:extLst>
-              <a:ext uri="{FF2B5EF4-FFF2-40B4-BE49-F238E27FC236}">
-                <a16:creationId xmlns:a16="http://schemas.microsoft.com/office/drawing/2014/main" id="{15F33878-D502-4FFA-8ACE-F2AECDB2A23F}"/>
+          <p:cNvPr id="1037" name="Rectangle 1036">
+            <a:extLst>
+              <a:ext uri="{FF2B5EF4-FFF2-40B4-BE49-F238E27FC236}">
+                <a16:creationId xmlns:a16="http://schemas.microsoft.com/office/drawing/2014/main" id="{A7009A0A-BEF5-4EAC-AF15-E4F9F002E239}"/>
               </a:ext>
               <a:ext uri="{C183D7F6-B498-43B3-948B-1728B52AA6E4}">
                 <adec:decorative xmlns:adec="http://schemas.microsoft.com/office/drawing/2017/decorative" val="1"/>
@@ -4759,28 +4815,27 @@
           </p:nvPr>
         </p:nvSpPr>
         <p:spPr>
-          <a:xfrm rot="10800000" flipH="1">
-            <a:off x="8128857" y="35"/>
-            <a:ext cx="4063143" cy="1576412"/>
+          <a:xfrm flipH="1">
+            <a:off x="-3" y="-1"/>
+            <a:ext cx="12192002" cy="1574311"/>
           </a:xfrm>
           <a:prstGeom prst="rect">
             <a:avLst/>
           </a:prstGeom>
           <a:gradFill>
             <a:gsLst>
-              <a:gs pos="19000">
+              <a:gs pos="0">
+                <a:srgbClr val="000000">
+                  <a:alpha val="63000"/>
+                </a:srgbClr>
+              </a:gs>
+              <a:gs pos="78000">
                 <a:schemeClr val="accent1">
-                  <a:lumMod val="50000"/>
-                  <a:alpha val="68000"/>
+                  <a:alpha val="15000"/>
                 </a:schemeClr>
               </a:gs>
-              <a:gs pos="100000">
-                <a:schemeClr val="accent1">
-                  <a:alpha val="79000"/>
-                </a:schemeClr>
-              </a:gs>
             </a:gsLst>
-            <a:lin ang="19200000" scaled="0"/>
+            <a:lin ang="15600000" scaled="0"/>
           </a:gradFill>
           <a:ln>
             <a:noFill/>
@@ -4813,175 +4868,24 @@
       </p:sp>
       <p:sp>
         <p:nvSpPr>
-          <p:cNvPr id="42" name="Rectangle 41">
-            <a:extLst>
-              <a:ext uri="{FF2B5EF4-FFF2-40B4-BE49-F238E27FC236}">
-                <a16:creationId xmlns:a16="http://schemas.microsoft.com/office/drawing/2014/main" id="{D3539FEE-81D3-4406-802E-60B20B16F4F6}"/>
-              </a:ext>
-              <a:ext uri="{C183D7F6-B498-43B3-948B-1728B52AA6E4}">
-                <adec:decorative xmlns:adec="http://schemas.microsoft.com/office/drawing/2017/decorative" val="1"/>
-              </a:ext>
-            </a:extLst>
-          </p:cNvPr>
-          <p:cNvSpPr>
-            <a:spLocks noGrp="1" noRot="1" noChangeAspect="1" noMove="1" noResize="1" noEditPoints="1" noAdjustHandles="1" noChangeArrowheads="1" noChangeShapeType="1" noTextEdit="1"/>
-          </p:cNvSpPr>
-          <p:nvPr>
-            <p:extLst>
-              <p:ext uri="{386F3935-93C4-4BCD-93E2-E3B085C9AB24}">
-                <p16:designElem xmlns:p16="http://schemas.microsoft.com/office/powerpoint/2015/main" val="1"/>
-              </p:ext>
-            </p:extLst>
-          </p:nvPr>
-        </p:nvSpPr>
-        <p:spPr>
-          <a:xfrm rot="5400000">
-            <a:off x="5307778" y="-5307777"/>
-            <a:ext cx="1576446" cy="12192001"/>
-          </a:xfrm>
-          <a:prstGeom prst="rect">
-            <a:avLst/>
-          </a:prstGeom>
-          <a:gradFill>
-            <a:gsLst>
-              <a:gs pos="16000">
-                <a:srgbClr val="000000">
-                  <a:alpha val="0"/>
-                </a:srgbClr>
-              </a:gs>
-              <a:gs pos="99000">
-                <a:srgbClr val="000000">
-                  <a:alpha val="87000"/>
-                </a:srgbClr>
-              </a:gs>
-            </a:gsLst>
-            <a:lin ang="11400000" scaled="0"/>
-          </a:gradFill>
-          <a:ln>
-            <a:noFill/>
-          </a:ln>
-        </p:spPr>
-        <p:style>
-          <a:lnRef idx="2">
-            <a:schemeClr val="accent1">
-              <a:shade val="50000"/>
-            </a:schemeClr>
-          </a:lnRef>
-          <a:fillRef idx="1">
-            <a:schemeClr val="accent1"/>
-          </a:fillRef>
-          <a:effectRef idx="0">
-            <a:schemeClr val="accent1"/>
-          </a:effectRef>
-          <a:fontRef idx="minor">
-            <a:schemeClr val="lt1"/>
-          </a:fontRef>
-        </p:style>
-        <p:txBody>
-          <a:bodyPr rtlCol="0" anchor="ctr"/>
-          <a:lstStyle/>
-          <a:p>
-            <a:pPr algn="ctr"/>
-            <a:endParaRPr lang="en-US" dirty="0"/>
-          </a:p>
-        </p:txBody>
-      </p:sp>
-      <p:sp>
-        <p:nvSpPr>
-          <p:cNvPr id="44" name="Rectangle 43">
-            <a:extLst>
-              <a:ext uri="{FF2B5EF4-FFF2-40B4-BE49-F238E27FC236}">
-                <a16:creationId xmlns:a16="http://schemas.microsoft.com/office/drawing/2014/main" id="{DC701763-729E-462F-A5A8-E0DEFEB1E2E4}"/>
-              </a:ext>
-              <a:ext uri="{C183D7F6-B498-43B3-948B-1728B52AA6E4}">
-                <adec:decorative xmlns:adec="http://schemas.microsoft.com/office/drawing/2017/decorative" val="1"/>
-              </a:ext>
-            </a:extLst>
-          </p:cNvPr>
-          <p:cNvSpPr>
-            <a:spLocks noGrp="1" noRot="1" noChangeAspect="1" noMove="1" noResize="1" noEditPoints="1" noAdjustHandles="1" noChangeArrowheads="1" noChangeShapeType="1" noTextEdit="1"/>
-          </p:cNvSpPr>
-          <p:nvPr>
-            <p:extLst>
-              <p:ext uri="{386F3935-93C4-4BCD-93E2-E3B085C9AB24}">
-                <p16:designElem xmlns:p16="http://schemas.microsoft.com/office/powerpoint/2015/main" val="1"/>
-              </p:ext>
-            </p:extLst>
+          <p:cNvPr id="2" name="Titel 1">
+            <a:extLst>
+              <a:ext uri="{FF2B5EF4-FFF2-40B4-BE49-F238E27FC236}">
+                <a16:creationId xmlns:a16="http://schemas.microsoft.com/office/drawing/2014/main" id="{F1D250CF-C4D1-95E0-7B20-FA053939C11B}"/>
+              </a:ext>
+            </a:extLst>
+          </p:cNvPr>
+          <p:cNvSpPr>
+            <a:spLocks noGrp="1"/>
+          </p:cNvSpPr>
+          <p:nvPr>
+            <p:ph type="title"/>
           </p:nvPr>
         </p:nvSpPr>
         <p:spPr>
           <a:xfrm>
-            <a:off x="3825434" y="986"/>
-            <a:ext cx="4303422" cy="1575461"/>
-          </a:xfrm>
-          <a:prstGeom prst="rect">
-            <a:avLst/>
-          </a:prstGeom>
-          <a:gradFill>
-            <a:gsLst>
-              <a:gs pos="0">
-                <a:schemeClr val="accent1">
-                  <a:alpha val="17000"/>
-                </a:schemeClr>
-              </a:gs>
-              <a:gs pos="74000">
-                <a:schemeClr val="accent1">
-                  <a:lumMod val="50000"/>
-                  <a:alpha val="0"/>
-                </a:schemeClr>
-              </a:gs>
-            </a:gsLst>
-            <a:lin ang="14400000" scaled="0"/>
-          </a:gradFill>
-          <a:ln>
-            <a:noFill/>
-          </a:ln>
-        </p:spPr>
-        <p:style>
-          <a:lnRef idx="2">
-            <a:schemeClr val="accent1">
-              <a:shade val="50000"/>
-            </a:schemeClr>
-          </a:lnRef>
-          <a:fillRef idx="1">
-            <a:schemeClr val="accent1"/>
-          </a:fillRef>
-          <a:effectRef idx="0">
-            <a:schemeClr val="accent1"/>
-          </a:effectRef>
-          <a:fontRef idx="minor">
-            <a:schemeClr val="lt1"/>
-          </a:fontRef>
-        </p:style>
-        <p:txBody>
-          <a:bodyPr rtlCol="0" anchor="ctr"/>
-          <a:lstStyle/>
-          <a:p>
-            <a:pPr algn="ctr"/>
-            <a:endParaRPr lang="en-US"/>
-          </a:p>
-        </p:txBody>
-      </p:sp>
-      <p:sp>
-        <p:nvSpPr>
-          <p:cNvPr id="2" name="Titel 1">
-            <a:extLst>
-              <a:ext uri="{FF2B5EF4-FFF2-40B4-BE49-F238E27FC236}">
-                <a16:creationId xmlns:a16="http://schemas.microsoft.com/office/drawing/2014/main" id="{F1D250CF-C4D1-95E0-7B20-FA053939C11B}"/>
-              </a:ext>
-            </a:extLst>
-          </p:cNvPr>
-          <p:cNvSpPr>
-            <a:spLocks noGrp="1"/>
-          </p:cNvSpPr>
-          <p:nvPr>
-            <p:ph type="title"/>
-          </p:nvPr>
-        </p:nvSpPr>
-        <p:spPr>
-          <a:xfrm>
-            <a:off x="699714" y="353160"/>
-            <a:ext cx="7091300" cy="898581"/>
+            <a:off x="699713" y="248038"/>
+            <a:ext cx="7063721" cy="1159200"/>
           </a:xfrm>
         </p:spPr>
         <p:txBody>
@@ -4991,26 +4895,16 @@
           <a:lstStyle/>
           <a:p>
             <a:r>
-              <a:rPr lang="en-US" sz="4000" dirty="0">
+              <a:rPr lang="en-US" sz="4000" kern="1200">
                 <a:solidFill>
                   <a:srgbClr val="FFFFFF"/>
                 </a:solidFill>
+                <a:latin typeface="+mj-lt"/>
+                <a:ea typeface="+mj-ea"/>
+                <a:cs typeface="+mj-cs"/>
               </a:rPr>
-              <a:t>De </a:t>
+              <a:t>De Realisatie</a:t>
             </a:r>
-            <a:r>
-              <a:rPr lang="en-US" sz="4000" dirty="0" err="1">
-                <a:solidFill>
-                  <a:srgbClr val="FFFFFF"/>
-                </a:solidFill>
-              </a:rPr>
-              <a:t>Realisatie</a:t>
-            </a:r>
-            <a:endParaRPr lang="en-US" sz="4000" dirty="0">
-              <a:solidFill>
-                <a:srgbClr val="FFFFFF"/>
-              </a:solidFill>
-            </a:endParaRPr>
           </a:p>
         </p:txBody>
       </p:sp>
@@ -5032,8 +4926,8 @@
         </p:nvSpPr>
         <p:spPr>
           <a:xfrm>
-            <a:off x="8571507" y="387224"/>
-            <a:ext cx="3291839" cy="830453"/>
+            <a:off x="8572499" y="390832"/>
+            <a:ext cx="3233585" cy="873612"/>
           </a:xfrm>
         </p:spPr>
         <p:txBody>
@@ -5046,25 +4940,69 @@
               <a:buNone/>
             </a:pPr>
             <a:r>
-              <a:rPr lang="en-US" sz="2000" dirty="0" err="1">
+              <a:rPr lang="en-US" sz="2000" kern="1200">
                 <a:solidFill>
                   <a:srgbClr val="FFFFFF"/>
                 </a:solidFill>
+                <a:latin typeface="+mn-lt"/>
+                <a:ea typeface="+mn-ea"/>
+                <a:cs typeface="+mn-cs"/>
               </a:rPr>
-              <a:t>Applicatie</a:t>
+              <a:t>Api Request</a:t>
             </a:r>
-            <a:endParaRPr lang="en-US" sz="2000" dirty="0">
-              <a:solidFill>
-                <a:srgbClr val="FFFFFF"/>
-              </a:solidFill>
-            </a:endParaRPr>
-          </a:p>
-        </p:txBody>
-      </p:sp>
+          </a:p>
+        </p:txBody>
+      </p:sp>
+      <p:pic>
+        <p:nvPicPr>
+          <p:cNvPr id="1026" name="Picture 2">
+            <a:extLst>
+              <a:ext uri="{FF2B5EF4-FFF2-40B4-BE49-F238E27FC236}">
+                <a16:creationId xmlns:a16="http://schemas.microsoft.com/office/drawing/2014/main" id="{17AF4E77-683E-001B-41A3-6A72F57F8500}"/>
+              </a:ext>
+            </a:extLst>
+          </p:cNvPr>
+          <p:cNvPicPr>
+            <a:picLocks noChangeAspect="1" noChangeArrowheads="1"/>
+          </p:cNvPicPr>
+          <p:nvPr/>
+        </p:nvPicPr>
+        <p:blipFill>
+          <a:blip r:embed="rId2">
+            <a:extLst>
+              <a:ext uri="{28A0092B-C50C-407E-A947-70E740481C1C}">
+                <a14:useLocalDpi xmlns:a14="http://schemas.microsoft.com/office/drawing/2010/main" val="0"/>
+              </a:ext>
+            </a:extLst>
+          </a:blip>
+          <a:stretch>
+            <a:fillRect/>
+          </a:stretch>
+        </p:blipFill>
+        <p:spPr bwMode="auto">
+          <a:xfrm>
+            <a:off x="0" y="1574310"/>
+            <a:ext cx="12191998" cy="5283690"/>
+          </a:xfrm>
+          <a:prstGeom prst="rect">
+            <a:avLst/>
+          </a:prstGeom>
+          <a:noFill/>
+          <a:extLst>
+            <a:ext uri="{909E8E84-426E-40DD-AFC4-6F175D3DCCD1}">
+              <a14:hiddenFill xmlns:a14="http://schemas.microsoft.com/office/drawing/2010/main">
+                <a:solidFill>
+                  <a:srgbClr val="FFFFFF"/>
+                </a:solidFill>
+              </a14:hiddenFill>
+            </a:ext>
+          </a:extLst>
+        </p:spPr>
+      </p:pic>
     </p:spTree>
     <p:extLst>
       <p:ext uri="{BB962C8B-B14F-4D97-AF65-F5344CB8AC3E}">
-        <p14:creationId xmlns:p14="http://schemas.microsoft.com/office/powerpoint/2010/main" val="2649983510"/>
+        <p14:creationId xmlns:p14="http://schemas.microsoft.com/office/powerpoint/2010/main" val="3695222580"/>
       </p:ext>
     </p:extLst>
   </p:cSld>
@@ -5101,10 +5039,10 @@
       </p:grpSpPr>
       <p:sp useBgFill="1">
         <p:nvSpPr>
-          <p:cNvPr id="1031" name="Rectangle 1030">
-            <a:extLst>
-              <a:ext uri="{FF2B5EF4-FFF2-40B4-BE49-F238E27FC236}">
-                <a16:creationId xmlns:a16="http://schemas.microsoft.com/office/drawing/2014/main" id="{A8384FB5-9ADC-4DDC-881B-597D56F5B15D}"/>
+          <p:cNvPr id="8" name="Rectangle 7">
+            <a:extLst>
+              <a:ext uri="{FF2B5EF4-FFF2-40B4-BE49-F238E27FC236}">
+                <a16:creationId xmlns:a16="http://schemas.microsoft.com/office/drawing/2014/main" id="{577D6B2E-37A3-429E-A37C-F30ED6487282}"/>
               </a:ext>
               <a:ext uri="{C183D7F6-B498-43B3-948B-1728B52AA6E4}">
                 <adec:decorative xmlns:adec="http://schemas.microsoft.com/office/drawing/2017/decorative" val="1"/>
@@ -5177,10 +5115,10 @@
       </p:sp>
       <p:sp>
         <p:nvSpPr>
-          <p:cNvPr id="1033" name="Rectangle 1032">
-            <a:extLst>
-              <a:ext uri="{FF2B5EF4-FFF2-40B4-BE49-F238E27FC236}">
-                <a16:creationId xmlns:a16="http://schemas.microsoft.com/office/drawing/2014/main" id="{1199E1B1-A8C0-4FE8-A5A8-1CB41D69F857}"/>
+          <p:cNvPr id="10" name="Rectangle 9">
+            <a:extLst>
+              <a:ext uri="{FF2B5EF4-FFF2-40B4-BE49-F238E27FC236}">
+                <a16:creationId xmlns:a16="http://schemas.microsoft.com/office/drawing/2014/main" id="{5CEAD642-85CF-4750-8432-7C80C901F001}"/>
               </a:ext>
               <a:ext uri="{C183D7F6-B498-43B3-948B-1728B52AA6E4}">
                 <adec:decorative xmlns:adec="http://schemas.microsoft.com/office/drawing/2017/decorative" val="1"/>
@@ -5199,9 +5137,9 @@
           </p:nvPr>
         </p:nvSpPr>
         <p:spPr>
-          <a:xfrm rot="10800000" flipH="1">
-            <a:off x="2" y="0"/>
-            <a:ext cx="12191998" cy="1575955"/>
+          <a:xfrm rot="10800000">
+            <a:off x="-11723" y="-1"/>
+            <a:ext cx="12225953" cy="6868071"/>
           </a:xfrm>
           <a:prstGeom prst="rect">
             <a:avLst/>
@@ -5209,9 +5147,7 @@
           <a:gradFill>
             <a:gsLst>
               <a:gs pos="0">
-                <a:srgbClr val="000000">
-                  <a:alpha val="96000"/>
-                </a:srgbClr>
+                <a:srgbClr val="000000"/>
               </a:gs>
               <a:gs pos="100000">
                 <a:schemeClr val="accent1">
@@ -5219,7 +5155,7 @@
                 </a:schemeClr>
               </a:gs>
             </a:gsLst>
-            <a:lin ang="6000000" scaled="0"/>
+            <a:lin ang="4200000" scaled="0"/>
           </a:gradFill>
           <a:ln>
             <a:noFill/>
@@ -5252,10 +5188,10 @@
       </p:sp>
       <p:sp>
         <p:nvSpPr>
-          <p:cNvPr id="1035" name="Rectangle 1034">
-            <a:extLst>
-              <a:ext uri="{FF2B5EF4-FFF2-40B4-BE49-F238E27FC236}">
-                <a16:creationId xmlns:a16="http://schemas.microsoft.com/office/drawing/2014/main" id="{84A8DE83-DE75-4B41-9DB4-A7EC0B0DEC0B}"/>
+          <p:cNvPr id="12" name="Rectangle 11">
+            <a:extLst>
+              <a:ext uri="{FF2B5EF4-FFF2-40B4-BE49-F238E27FC236}">
+                <a16:creationId xmlns:a16="http://schemas.microsoft.com/office/drawing/2014/main" id="{FA33EEAE-15D5-4119-8C1E-89D943F911EF}"/>
               </a:ext>
               <a:ext uri="{C183D7F6-B498-43B3-948B-1728B52AA6E4}">
                 <adec:decorative xmlns:adec="http://schemas.microsoft.com/office/drawing/2017/decorative" val="1"/>
@@ -5274,9 +5210,85 @@
           </p:nvPr>
         </p:nvSpPr>
         <p:spPr>
-          <a:xfrm>
-            <a:off x="0" y="0"/>
-            <a:ext cx="8128856" cy="1575461"/>
+          <a:xfrm rot="10800000" flipH="1">
+            <a:off x="441959" y="-3"/>
+            <a:ext cx="11772269" cy="6868074"/>
+          </a:xfrm>
+          <a:prstGeom prst="rect">
+            <a:avLst/>
+          </a:prstGeom>
+          <a:gradFill>
+            <a:gsLst>
+              <a:gs pos="21000">
+                <a:schemeClr val="accent1">
+                  <a:lumMod val="50000"/>
+                  <a:alpha val="83000"/>
+                </a:schemeClr>
+              </a:gs>
+              <a:gs pos="100000">
+                <a:schemeClr val="accent1">
+                  <a:alpha val="0"/>
+                </a:schemeClr>
+              </a:gs>
+            </a:gsLst>
+            <a:lin ang="8400000" scaled="0"/>
+          </a:gradFill>
+          <a:ln>
+            <a:noFill/>
+          </a:ln>
+        </p:spPr>
+        <p:style>
+          <a:lnRef idx="2">
+            <a:schemeClr val="accent1">
+              <a:shade val="50000"/>
+            </a:schemeClr>
+          </a:lnRef>
+          <a:fillRef idx="1">
+            <a:schemeClr val="accent1"/>
+          </a:fillRef>
+          <a:effectRef idx="0">
+            <a:schemeClr val="accent1"/>
+          </a:effectRef>
+          <a:fontRef idx="minor">
+            <a:schemeClr val="lt1"/>
+          </a:fontRef>
+        </p:style>
+        <p:txBody>
+          <a:bodyPr rtlCol="0" anchor="ctr"/>
+          <a:lstStyle/>
+          <a:p>
+            <a:pPr algn="ctr"/>
+            <a:endParaRPr lang="en-US"/>
+          </a:p>
+        </p:txBody>
+      </p:sp>
+      <p:sp>
+        <p:nvSpPr>
+          <p:cNvPr id="14" name="Rectangle 13">
+            <a:extLst>
+              <a:ext uri="{FF2B5EF4-FFF2-40B4-BE49-F238E27FC236}">
+                <a16:creationId xmlns:a16="http://schemas.microsoft.com/office/drawing/2014/main" id="{730D8B3B-9B80-4025-B934-26DC7D7CD231}"/>
+              </a:ext>
+              <a:ext uri="{C183D7F6-B498-43B3-948B-1728B52AA6E4}">
+                <adec:decorative xmlns:adec="http://schemas.microsoft.com/office/drawing/2017/decorative" val="1"/>
+              </a:ext>
+            </a:extLst>
+          </p:cNvPr>
+          <p:cNvSpPr>
+            <a:spLocks noGrp="1" noRot="1" noChangeAspect="1" noMove="1" noResize="1" noEditPoints="1" noAdjustHandles="1" noChangeArrowheads="1" noChangeShapeType="1" noTextEdit="1"/>
+          </p:cNvSpPr>
+          <p:nvPr>
+            <p:extLst>
+              <p:ext uri="{386F3935-93C4-4BCD-93E2-E3B085C9AB24}">
+                <p16:designElem xmlns:p16="http://schemas.microsoft.com/office/powerpoint/2015/main" val="1"/>
+              </p:ext>
+            </p:extLst>
+          </p:nvPr>
+        </p:nvSpPr>
+        <p:spPr>
+          <a:xfrm rot="10800000">
+            <a:off x="-15200" y="0"/>
+            <a:ext cx="3623374" cy="6868072"/>
           </a:xfrm>
           <a:prstGeom prst="rect">
             <a:avLst/>
@@ -5285,18 +5297,17 @@
             <a:gsLst>
               <a:gs pos="0">
                 <a:schemeClr val="accent1">
-                  <a:alpha val="41000"/>
-                </a:schemeClr>
-              </a:gs>
-              <a:gs pos="74000">
-                <a:schemeClr val="accent1">
-                  <a:lumMod val="60000"/>
-                  <a:lumOff val="40000"/>
+                  <a:lumMod val="75000"/>
                   <a:alpha val="0"/>
                 </a:schemeClr>
               </a:gs>
+              <a:gs pos="99000">
+                <a:srgbClr val="000000">
+                  <a:alpha val="41000"/>
+                </a:srgbClr>
+              </a:gs>
             </a:gsLst>
-            <a:lin ang="8400000" scaled="0"/>
+            <a:lin ang="13200000" scaled="0"/>
           </a:gradFill>
           <a:ln>
             <a:noFill/>
@@ -5329,10 +5340,10 @@
       </p:sp>
       <p:sp>
         <p:nvSpPr>
-          <p:cNvPr id="1037" name="Rectangle 1036">
-            <a:extLst>
-              <a:ext uri="{FF2B5EF4-FFF2-40B4-BE49-F238E27FC236}">
-                <a16:creationId xmlns:a16="http://schemas.microsoft.com/office/drawing/2014/main" id="{A7009A0A-BEF5-4EAC-AF15-E4F9F002E239}"/>
+          <p:cNvPr id="16" name="Rectangle 15">
+            <a:extLst>
+              <a:ext uri="{FF2B5EF4-FFF2-40B4-BE49-F238E27FC236}">
+                <a16:creationId xmlns:a16="http://schemas.microsoft.com/office/drawing/2014/main" id="{1064D5D5-227B-4F66-9AEA-46F570E793BD}"/>
               </a:ext>
               <a:ext uri="{C183D7F6-B498-43B3-948B-1728B52AA6E4}">
                 <adec:decorative xmlns:adec="http://schemas.microsoft.com/office/drawing/2017/decorative" val="1"/>
@@ -5352,26 +5363,27 @@
         </p:nvSpPr>
         <p:spPr>
           <a:xfrm flipH="1">
-            <a:off x="-3" y="-1"/>
-            <a:ext cx="12192002" cy="1574311"/>
+            <a:off x="-15875" y="-3"/>
+            <a:ext cx="12233581" cy="6868076"/>
           </a:xfrm>
           <a:prstGeom prst="rect">
             <a:avLst/>
           </a:prstGeom>
           <a:gradFill>
             <a:gsLst>
-              <a:gs pos="0">
+              <a:gs pos="3000">
+                <a:schemeClr val="accent1">
+                  <a:lumMod val="75000"/>
+                  <a:alpha val="0"/>
+                </a:schemeClr>
+              </a:gs>
+              <a:gs pos="100000">
                 <a:srgbClr val="000000">
-                  <a:alpha val="63000"/>
+                  <a:alpha val="73000"/>
                 </a:srgbClr>
               </a:gs>
-              <a:gs pos="78000">
-                <a:schemeClr val="accent1">
-                  <a:alpha val="15000"/>
-                </a:schemeClr>
-              </a:gs>
             </a:gsLst>
-            <a:lin ang="15600000" scaled="0"/>
+            <a:lin ang="17400000" scaled="0"/>
           </a:gradFill>
           <a:ln>
             <a:noFill/>
@@ -5404,10 +5416,163 @@
       </p:sp>
       <p:sp>
         <p:nvSpPr>
+          <p:cNvPr id="18" name="Rectangle 17">
+            <a:extLst>
+              <a:ext uri="{FF2B5EF4-FFF2-40B4-BE49-F238E27FC236}">
+                <a16:creationId xmlns:a16="http://schemas.microsoft.com/office/drawing/2014/main" id="{646B67A4-D328-4747-A82B-65E84FA46368}"/>
+              </a:ext>
+              <a:ext uri="{C183D7F6-B498-43B3-948B-1728B52AA6E4}">
+                <adec:decorative xmlns:adec="http://schemas.microsoft.com/office/drawing/2017/decorative" val="1"/>
+              </a:ext>
+            </a:extLst>
+          </p:cNvPr>
+          <p:cNvSpPr>
+            <a:spLocks noGrp="1" noRot="1" noChangeAspect="1" noMove="1" noResize="1" noEditPoints="1" noAdjustHandles="1" noChangeArrowheads="1" noChangeShapeType="1" noTextEdit="1"/>
+          </p:cNvSpPr>
+          <p:nvPr>
+            <p:extLst>
+              <p:ext uri="{386F3935-93C4-4BCD-93E2-E3B085C9AB24}">
+                <p16:designElem xmlns:p16="http://schemas.microsoft.com/office/powerpoint/2015/main" val="1"/>
+              </p:ext>
+            </p:extLst>
+          </p:nvPr>
+        </p:nvSpPr>
+        <p:spPr>
+          <a:xfrm rot="5400000" flipH="1">
+            <a:off x="4484334" y="-861824"/>
+            <a:ext cx="6861931" cy="8597859"/>
+          </a:xfrm>
+          <a:prstGeom prst="rect">
+            <a:avLst/>
+          </a:prstGeom>
+          <a:gradFill>
+            <a:gsLst>
+              <a:gs pos="3000">
+                <a:schemeClr val="accent1">
+                  <a:lumMod val="75000"/>
+                  <a:alpha val="0"/>
+                </a:schemeClr>
+              </a:gs>
+              <a:gs pos="100000">
+                <a:srgbClr val="000000">
+                  <a:alpha val="27000"/>
+                </a:srgbClr>
+              </a:gs>
+            </a:gsLst>
+            <a:lin ang="13800000" scaled="0"/>
+          </a:gradFill>
+          <a:ln>
+            <a:noFill/>
+          </a:ln>
+        </p:spPr>
+        <p:style>
+          <a:lnRef idx="2">
+            <a:schemeClr val="accent1">
+              <a:shade val="50000"/>
+            </a:schemeClr>
+          </a:lnRef>
+          <a:fillRef idx="1">
+            <a:schemeClr val="accent1"/>
+          </a:fillRef>
+          <a:effectRef idx="0">
+            <a:schemeClr val="accent1"/>
+          </a:effectRef>
+          <a:fontRef idx="minor">
+            <a:schemeClr val="lt1"/>
+          </a:fontRef>
+        </p:style>
+        <p:txBody>
+          <a:bodyPr rtlCol="0" anchor="ctr"/>
+          <a:lstStyle/>
+          <a:p>
+            <a:pPr algn="ctr"/>
+            <a:endParaRPr lang="en-US"/>
+          </a:p>
+        </p:txBody>
+      </p:sp>
+      <p:sp>
+        <p:nvSpPr>
+          <p:cNvPr id="20" name="Oval 19">
+            <a:extLst>
+              <a:ext uri="{FF2B5EF4-FFF2-40B4-BE49-F238E27FC236}">
+                <a16:creationId xmlns:a16="http://schemas.microsoft.com/office/drawing/2014/main" id="{B5A1B09C-1565-46F8-B70F-621C5EB48A09}"/>
+              </a:ext>
+              <a:ext uri="{C183D7F6-B498-43B3-948B-1728B52AA6E4}">
+                <adec:decorative xmlns:adec="http://schemas.microsoft.com/office/drawing/2017/decorative" val="1"/>
+              </a:ext>
+            </a:extLst>
+          </p:cNvPr>
+          <p:cNvSpPr>
+            <a:spLocks noGrp="1" noRot="1" noChangeAspect="1" noMove="1" noResize="1" noEditPoints="1" noAdjustHandles="1" noChangeArrowheads="1" noChangeShapeType="1" noTextEdit="1"/>
+          </p:cNvSpPr>
+          <p:nvPr>
+            <p:extLst>
+              <p:ext uri="{386F3935-93C4-4BCD-93E2-E3B085C9AB24}">
+                <p16:designElem xmlns:p16="http://schemas.microsoft.com/office/powerpoint/2015/main" val="1"/>
+              </p:ext>
+            </p:extLst>
+          </p:nvPr>
+        </p:nvSpPr>
+        <p:spPr>
+          <a:xfrm rot="5993193">
+            <a:off x="1186972" y="1089049"/>
+            <a:ext cx="4967533" cy="4988390"/>
+          </a:xfrm>
+          <a:prstGeom prst="ellipse">
+            <a:avLst/>
+          </a:prstGeom>
+          <a:gradFill>
+            <a:gsLst>
+              <a:gs pos="0">
+                <a:schemeClr val="accent1">
+                  <a:alpha val="26000"/>
+                </a:schemeClr>
+              </a:gs>
+              <a:gs pos="85000">
+                <a:schemeClr val="accent1">
+                  <a:lumMod val="60000"/>
+                  <a:lumOff val="40000"/>
+                  <a:alpha val="0"/>
+                </a:schemeClr>
+              </a:gs>
+            </a:gsLst>
+            <a:lin ang="14400000" scaled="0"/>
+          </a:gradFill>
+          <a:ln>
+            <a:noFill/>
+          </a:ln>
+        </p:spPr>
+        <p:style>
+          <a:lnRef idx="2">
+            <a:schemeClr val="accent1">
+              <a:shade val="50000"/>
+            </a:schemeClr>
+          </a:lnRef>
+          <a:fillRef idx="1">
+            <a:schemeClr val="accent1"/>
+          </a:fillRef>
+          <a:effectRef idx="0">
+            <a:schemeClr val="accent1"/>
+          </a:effectRef>
+          <a:fontRef idx="minor">
+            <a:schemeClr val="lt1"/>
+          </a:fontRef>
+        </p:style>
+        <p:txBody>
+          <a:bodyPr rtlCol="0" anchor="ctr"/>
+          <a:lstStyle/>
+          <a:p>
+            <a:pPr algn="ctr"/>
+            <a:endParaRPr lang="en-US" dirty="0"/>
+          </a:p>
+        </p:txBody>
+      </p:sp>
+      <p:sp>
+        <p:nvSpPr>
           <p:cNvPr id="2" name="Titel 1">
             <a:extLst>
               <a:ext uri="{FF2B5EF4-FFF2-40B4-BE49-F238E27FC236}">
-                <a16:creationId xmlns:a16="http://schemas.microsoft.com/office/drawing/2014/main" id="{F1D250CF-C4D1-95E0-7B20-FA053939C11B}"/>
+                <a16:creationId xmlns:a16="http://schemas.microsoft.com/office/drawing/2014/main" id="{A271C62B-DB5D-778D-DE14-ABF776D8FDA2}"/>
               </a:ext>
             </a:extLst>
           </p:cNvPr>
@@ -5420,18 +5585,18 @@
         </p:nvSpPr>
         <p:spPr>
           <a:xfrm>
-            <a:off x="699713" y="248038"/>
-            <a:ext cx="7063721" cy="1159200"/>
-          </a:xfrm>
-        </p:spPr>
-        <p:txBody>
-          <a:bodyPr vert="horz" lIns="91440" tIns="45720" rIns="91440" bIns="45720" rtlCol="0" anchor="ctr">
+            <a:off x="4162567" y="818984"/>
+            <a:ext cx="6714699" cy="3178689"/>
+          </a:xfrm>
+        </p:spPr>
+        <p:txBody>
+          <a:bodyPr vert="horz" lIns="91440" tIns="45720" rIns="91440" bIns="45720" rtlCol="0" anchor="b">
             <a:normAutofit/>
           </a:bodyPr>
           <a:lstStyle/>
           <a:p>
             <a:r>
-              <a:rPr lang="en-US" sz="4000" kern="1200">
+              <a:rPr lang="en-US" sz="4800" kern="1200">
                 <a:solidFill>
                   <a:srgbClr val="FFFFFF"/>
                 </a:solidFill>
@@ -5439,106 +5604,91 @@
                 <a:ea typeface="+mj-ea"/>
                 <a:cs typeface="+mj-cs"/>
               </a:rPr>
-              <a:t>De Realisatie</a:t>
+              <a:t>Conclusie</a:t>
             </a:r>
           </a:p>
         </p:txBody>
       </p:sp>
       <p:sp>
         <p:nvSpPr>
-          <p:cNvPr id="3" name="Tijdelijke aanduiding voor inhoud 2">
-            <a:extLst>
-              <a:ext uri="{FF2B5EF4-FFF2-40B4-BE49-F238E27FC236}">
-                <a16:creationId xmlns:a16="http://schemas.microsoft.com/office/drawing/2014/main" id="{4241C3C9-31CF-F4C1-8B59-1C02E7B63514}"/>
-              </a:ext>
-            </a:extLst>
-          </p:cNvPr>
-          <p:cNvSpPr>
-            <a:spLocks noGrp="1"/>
-          </p:cNvSpPr>
-          <p:nvPr>
-            <p:ph idx="1"/>
-          </p:nvPr>
-        </p:nvSpPr>
-        <p:spPr>
-          <a:xfrm>
-            <a:off x="8572499" y="390832"/>
-            <a:ext cx="3233585" cy="873612"/>
-          </a:xfrm>
-        </p:spPr>
-        <p:txBody>
-          <a:bodyPr vert="horz" lIns="91440" tIns="45720" rIns="91440" bIns="45720" rtlCol="0" anchor="ctr">
-            <a:normAutofit/>
-          </a:bodyPr>
-          <a:lstStyle/>
-          <a:p>
-            <a:pPr marL="0" indent="0">
-              <a:buNone/>
-            </a:pPr>
-            <a:r>
-              <a:rPr lang="en-US" sz="2000" kern="1200">
-                <a:solidFill>
-                  <a:srgbClr val="FFFFFF"/>
-                </a:solidFill>
-                <a:latin typeface="+mn-lt"/>
-                <a:ea typeface="+mn-ea"/>
-                <a:cs typeface="+mn-cs"/>
-              </a:rPr>
-              <a:t>Api Request</a:t>
-            </a:r>
-          </a:p>
-        </p:txBody>
-      </p:sp>
-      <p:pic>
-        <p:nvPicPr>
-          <p:cNvPr id="1026" name="Picture 2">
-            <a:extLst>
-              <a:ext uri="{FF2B5EF4-FFF2-40B4-BE49-F238E27FC236}">
-                <a16:creationId xmlns:a16="http://schemas.microsoft.com/office/drawing/2014/main" id="{17AF4E77-683E-001B-41A3-6A72F57F8500}"/>
-              </a:ext>
-            </a:extLst>
-          </p:cNvPr>
-          <p:cNvPicPr>
-            <a:picLocks noChangeAspect="1" noChangeArrowheads="1"/>
-          </p:cNvPicPr>
-          <p:nvPr/>
-        </p:nvPicPr>
-        <p:blipFill>
-          <a:blip r:embed="rId2">
-            <a:extLst>
-              <a:ext uri="{28A0092B-C50C-407E-A947-70E740481C1C}">
-                <a14:useLocalDpi xmlns:a14="http://schemas.microsoft.com/office/drawing/2010/main" val="0"/>
-              </a:ext>
-            </a:extLst>
-          </a:blip>
-          <a:stretch>
-            <a:fillRect/>
-          </a:stretch>
-        </p:blipFill>
-        <p:spPr bwMode="auto">
-          <a:xfrm>
-            <a:off x="0" y="1574310"/>
-            <a:ext cx="12191998" cy="5283690"/>
+          <p:cNvPr id="22" name="Rectangle 21">
+            <a:extLst>
+              <a:ext uri="{FF2B5EF4-FFF2-40B4-BE49-F238E27FC236}">
+                <a16:creationId xmlns:a16="http://schemas.microsoft.com/office/drawing/2014/main" id="{8C516CC8-80AC-446C-A56E-9F54B7210402}"/>
+              </a:ext>
+              <a:ext uri="{C183D7F6-B498-43B3-948B-1728B52AA6E4}">
+                <adec:decorative xmlns:adec="http://schemas.microsoft.com/office/drawing/2017/decorative" val="1"/>
+              </a:ext>
+            </a:extLst>
+          </p:cNvPr>
+          <p:cNvSpPr>
+            <a:spLocks noGrp="1" noRot="1" noChangeAspect="1" noMove="1" noResize="1" noEditPoints="1" noAdjustHandles="1" noChangeArrowheads="1" noChangeShapeType="1" noTextEdit="1"/>
+          </p:cNvSpPr>
+          <p:nvPr>
+            <p:extLst>
+              <p:ext uri="{386F3935-93C4-4BCD-93E2-E3B085C9AB24}">
+                <p16:designElem xmlns:p16="http://schemas.microsoft.com/office/powerpoint/2015/main" val="1"/>
+              </p:ext>
+            </p:extLst>
+          </p:nvPr>
+        </p:nvSpPr>
+        <p:spPr>
+          <a:xfrm flipH="1">
+            <a:off x="-3" y="4490110"/>
+            <a:ext cx="12217710" cy="2377962"/>
           </a:xfrm>
           <a:prstGeom prst="rect">
             <a:avLst/>
           </a:prstGeom>
-          <a:noFill/>
-          <a:extLst>
-            <a:ext uri="{909E8E84-426E-40DD-AFC4-6F175D3DCCD1}">
-              <a14:hiddenFill xmlns:a14="http://schemas.microsoft.com/office/drawing/2010/main">
-                <a:solidFill>
-                  <a:srgbClr val="FFFFFF"/>
-                </a:solidFill>
-              </a14:hiddenFill>
-            </a:ext>
-          </a:extLst>
-        </p:spPr>
-      </p:pic>
+          <a:gradFill>
+            <a:gsLst>
+              <a:gs pos="0">
+                <a:schemeClr val="accent1">
+                  <a:lumMod val="75000"/>
+                  <a:alpha val="50000"/>
+                </a:schemeClr>
+              </a:gs>
+              <a:gs pos="99000">
+                <a:srgbClr val="000000">
+                  <a:alpha val="34000"/>
+                </a:srgbClr>
+              </a:gs>
+            </a:gsLst>
+            <a:lin ang="13200000" scaled="0"/>
+          </a:gradFill>
+          <a:ln>
+            <a:noFill/>
+          </a:ln>
+        </p:spPr>
+        <p:style>
+          <a:lnRef idx="2">
+            <a:schemeClr val="accent1">
+              <a:shade val="50000"/>
+            </a:schemeClr>
+          </a:lnRef>
+          <a:fillRef idx="1">
+            <a:schemeClr val="accent1"/>
+          </a:fillRef>
+          <a:effectRef idx="0">
+            <a:schemeClr val="accent1"/>
+          </a:effectRef>
+          <a:fontRef idx="minor">
+            <a:schemeClr val="lt1"/>
+          </a:fontRef>
+        </p:style>
+        <p:txBody>
+          <a:bodyPr rtlCol="0" anchor="ctr"/>
+          <a:lstStyle/>
+          <a:p>
+            <a:pPr algn="ctr"/>
+            <a:endParaRPr lang="en-US"/>
+          </a:p>
+        </p:txBody>
+      </p:sp>
     </p:spTree>
     <p:extLst>
       <p:ext uri="{BB962C8B-B14F-4D97-AF65-F5344CB8AC3E}">
-        <p14:creationId xmlns:p14="http://schemas.microsoft.com/office/powerpoint/2010/main" val="3695222580"/>
+        <p14:creationId xmlns:p14="http://schemas.microsoft.com/office/powerpoint/2010/main" val="1054010890"/>
       </p:ext>
     </p:extLst>
   </p:cSld>
@@ -5575,10 +5725,10 @@
       </p:grpSpPr>
       <p:sp useBgFill="1">
         <p:nvSpPr>
-          <p:cNvPr id="8" name="Rectangle 7">
-            <a:extLst>
-              <a:ext uri="{FF2B5EF4-FFF2-40B4-BE49-F238E27FC236}">
-                <a16:creationId xmlns:a16="http://schemas.microsoft.com/office/drawing/2014/main" id="{577D6B2E-37A3-429E-A37C-F30ED6487282}"/>
+          <p:cNvPr id="38" name="Rectangle 37">
+            <a:extLst>
+              <a:ext uri="{FF2B5EF4-FFF2-40B4-BE49-F238E27FC236}">
+                <a16:creationId xmlns:a16="http://schemas.microsoft.com/office/drawing/2014/main" id="{A8384FB5-9ADC-4DDC-881B-597D56F5B15D}"/>
               </a:ext>
               <a:ext uri="{C183D7F6-B498-43B3-948B-1728B52AA6E4}">
                 <adec:decorative xmlns:adec="http://schemas.microsoft.com/office/drawing/2017/decorative" val="1"/>
@@ -5651,692 +5801,6 @@
       </p:sp>
       <p:sp>
         <p:nvSpPr>
-          <p:cNvPr id="10" name="Rectangle 9">
-            <a:extLst>
-              <a:ext uri="{FF2B5EF4-FFF2-40B4-BE49-F238E27FC236}">
-                <a16:creationId xmlns:a16="http://schemas.microsoft.com/office/drawing/2014/main" id="{5CEAD642-85CF-4750-8432-7C80C901F001}"/>
-              </a:ext>
-              <a:ext uri="{C183D7F6-B498-43B3-948B-1728B52AA6E4}">
-                <adec:decorative xmlns:adec="http://schemas.microsoft.com/office/drawing/2017/decorative" val="1"/>
-              </a:ext>
-            </a:extLst>
-          </p:cNvPr>
-          <p:cNvSpPr>
-            <a:spLocks noGrp="1" noRot="1" noChangeAspect="1" noMove="1" noResize="1" noEditPoints="1" noAdjustHandles="1" noChangeArrowheads="1" noChangeShapeType="1" noTextEdit="1"/>
-          </p:cNvSpPr>
-          <p:nvPr>
-            <p:extLst>
-              <p:ext uri="{386F3935-93C4-4BCD-93E2-E3B085C9AB24}">
-                <p16:designElem xmlns:p16="http://schemas.microsoft.com/office/powerpoint/2015/main" val="1"/>
-              </p:ext>
-            </p:extLst>
-          </p:nvPr>
-        </p:nvSpPr>
-        <p:spPr>
-          <a:xfrm rot="10800000">
-            <a:off x="-11723" y="-1"/>
-            <a:ext cx="12225953" cy="6868071"/>
-          </a:xfrm>
-          <a:prstGeom prst="rect">
-            <a:avLst/>
-          </a:prstGeom>
-          <a:gradFill>
-            <a:gsLst>
-              <a:gs pos="0">
-                <a:srgbClr val="000000"/>
-              </a:gs>
-              <a:gs pos="100000">
-                <a:schemeClr val="accent1">
-                  <a:lumMod val="75000"/>
-                </a:schemeClr>
-              </a:gs>
-            </a:gsLst>
-            <a:lin ang="4200000" scaled="0"/>
-          </a:gradFill>
-          <a:ln>
-            <a:noFill/>
-          </a:ln>
-        </p:spPr>
-        <p:style>
-          <a:lnRef idx="2">
-            <a:schemeClr val="accent1">
-              <a:shade val="50000"/>
-            </a:schemeClr>
-          </a:lnRef>
-          <a:fillRef idx="1">
-            <a:schemeClr val="accent1"/>
-          </a:fillRef>
-          <a:effectRef idx="0">
-            <a:schemeClr val="accent1"/>
-          </a:effectRef>
-          <a:fontRef idx="minor">
-            <a:schemeClr val="lt1"/>
-          </a:fontRef>
-        </p:style>
-        <p:txBody>
-          <a:bodyPr rtlCol="0" anchor="ctr"/>
-          <a:lstStyle/>
-          <a:p>
-            <a:pPr algn="ctr"/>
-            <a:endParaRPr lang="en-US"/>
-          </a:p>
-        </p:txBody>
-      </p:sp>
-      <p:sp>
-        <p:nvSpPr>
-          <p:cNvPr id="12" name="Rectangle 11">
-            <a:extLst>
-              <a:ext uri="{FF2B5EF4-FFF2-40B4-BE49-F238E27FC236}">
-                <a16:creationId xmlns:a16="http://schemas.microsoft.com/office/drawing/2014/main" id="{FA33EEAE-15D5-4119-8C1E-89D943F911EF}"/>
-              </a:ext>
-              <a:ext uri="{C183D7F6-B498-43B3-948B-1728B52AA6E4}">
-                <adec:decorative xmlns:adec="http://schemas.microsoft.com/office/drawing/2017/decorative" val="1"/>
-              </a:ext>
-            </a:extLst>
-          </p:cNvPr>
-          <p:cNvSpPr>
-            <a:spLocks noGrp="1" noRot="1" noChangeAspect="1" noMove="1" noResize="1" noEditPoints="1" noAdjustHandles="1" noChangeArrowheads="1" noChangeShapeType="1" noTextEdit="1"/>
-          </p:cNvSpPr>
-          <p:nvPr>
-            <p:extLst>
-              <p:ext uri="{386F3935-93C4-4BCD-93E2-E3B085C9AB24}">
-                <p16:designElem xmlns:p16="http://schemas.microsoft.com/office/powerpoint/2015/main" val="1"/>
-              </p:ext>
-            </p:extLst>
-          </p:nvPr>
-        </p:nvSpPr>
-        <p:spPr>
-          <a:xfrm rot="10800000" flipH="1">
-            <a:off x="441959" y="-3"/>
-            <a:ext cx="11772269" cy="6868074"/>
-          </a:xfrm>
-          <a:prstGeom prst="rect">
-            <a:avLst/>
-          </a:prstGeom>
-          <a:gradFill>
-            <a:gsLst>
-              <a:gs pos="21000">
-                <a:schemeClr val="accent1">
-                  <a:lumMod val="50000"/>
-                  <a:alpha val="83000"/>
-                </a:schemeClr>
-              </a:gs>
-              <a:gs pos="100000">
-                <a:schemeClr val="accent1">
-                  <a:alpha val="0"/>
-                </a:schemeClr>
-              </a:gs>
-            </a:gsLst>
-            <a:lin ang="8400000" scaled="0"/>
-          </a:gradFill>
-          <a:ln>
-            <a:noFill/>
-          </a:ln>
-        </p:spPr>
-        <p:style>
-          <a:lnRef idx="2">
-            <a:schemeClr val="accent1">
-              <a:shade val="50000"/>
-            </a:schemeClr>
-          </a:lnRef>
-          <a:fillRef idx="1">
-            <a:schemeClr val="accent1"/>
-          </a:fillRef>
-          <a:effectRef idx="0">
-            <a:schemeClr val="accent1"/>
-          </a:effectRef>
-          <a:fontRef idx="minor">
-            <a:schemeClr val="lt1"/>
-          </a:fontRef>
-        </p:style>
-        <p:txBody>
-          <a:bodyPr rtlCol="0" anchor="ctr"/>
-          <a:lstStyle/>
-          <a:p>
-            <a:pPr algn="ctr"/>
-            <a:endParaRPr lang="en-US"/>
-          </a:p>
-        </p:txBody>
-      </p:sp>
-      <p:sp>
-        <p:nvSpPr>
-          <p:cNvPr id="14" name="Rectangle 13">
-            <a:extLst>
-              <a:ext uri="{FF2B5EF4-FFF2-40B4-BE49-F238E27FC236}">
-                <a16:creationId xmlns:a16="http://schemas.microsoft.com/office/drawing/2014/main" id="{730D8B3B-9B80-4025-B934-26DC7D7CD231}"/>
-              </a:ext>
-              <a:ext uri="{C183D7F6-B498-43B3-948B-1728B52AA6E4}">
-                <adec:decorative xmlns:adec="http://schemas.microsoft.com/office/drawing/2017/decorative" val="1"/>
-              </a:ext>
-            </a:extLst>
-          </p:cNvPr>
-          <p:cNvSpPr>
-            <a:spLocks noGrp="1" noRot="1" noChangeAspect="1" noMove="1" noResize="1" noEditPoints="1" noAdjustHandles="1" noChangeArrowheads="1" noChangeShapeType="1" noTextEdit="1"/>
-          </p:cNvSpPr>
-          <p:nvPr>
-            <p:extLst>
-              <p:ext uri="{386F3935-93C4-4BCD-93E2-E3B085C9AB24}">
-                <p16:designElem xmlns:p16="http://schemas.microsoft.com/office/powerpoint/2015/main" val="1"/>
-              </p:ext>
-            </p:extLst>
-          </p:nvPr>
-        </p:nvSpPr>
-        <p:spPr>
-          <a:xfrm rot="10800000">
-            <a:off x="-15200" y="0"/>
-            <a:ext cx="3623374" cy="6868072"/>
-          </a:xfrm>
-          <a:prstGeom prst="rect">
-            <a:avLst/>
-          </a:prstGeom>
-          <a:gradFill>
-            <a:gsLst>
-              <a:gs pos="0">
-                <a:schemeClr val="accent1">
-                  <a:lumMod val="75000"/>
-                  <a:alpha val="0"/>
-                </a:schemeClr>
-              </a:gs>
-              <a:gs pos="99000">
-                <a:srgbClr val="000000">
-                  <a:alpha val="41000"/>
-                </a:srgbClr>
-              </a:gs>
-            </a:gsLst>
-            <a:lin ang="13200000" scaled="0"/>
-          </a:gradFill>
-          <a:ln>
-            <a:noFill/>
-          </a:ln>
-        </p:spPr>
-        <p:style>
-          <a:lnRef idx="2">
-            <a:schemeClr val="accent1">
-              <a:shade val="50000"/>
-            </a:schemeClr>
-          </a:lnRef>
-          <a:fillRef idx="1">
-            <a:schemeClr val="accent1"/>
-          </a:fillRef>
-          <a:effectRef idx="0">
-            <a:schemeClr val="accent1"/>
-          </a:effectRef>
-          <a:fontRef idx="minor">
-            <a:schemeClr val="lt1"/>
-          </a:fontRef>
-        </p:style>
-        <p:txBody>
-          <a:bodyPr rtlCol="0" anchor="ctr"/>
-          <a:lstStyle/>
-          <a:p>
-            <a:pPr algn="ctr"/>
-            <a:endParaRPr lang="en-US"/>
-          </a:p>
-        </p:txBody>
-      </p:sp>
-      <p:sp>
-        <p:nvSpPr>
-          <p:cNvPr id="16" name="Rectangle 15">
-            <a:extLst>
-              <a:ext uri="{FF2B5EF4-FFF2-40B4-BE49-F238E27FC236}">
-                <a16:creationId xmlns:a16="http://schemas.microsoft.com/office/drawing/2014/main" id="{1064D5D5-227B-4F66-9AEA-46F570E793BD}"/>
-              </a:ext>
-              <a:ext uri="{C183D7F6-B498-43B3-948B-1728B52AA6E4}">
-                <adec:decorative xmlns:adec="http://schemas.microsoft.com/office/drawing/2017/decorative" val="1"/>
-              </a:ext>
-            </a:extLst>
-          </p:cNvPr>
-          <p:cNvSpPr>
-            <a:spLocks noGrp="1" noRot="1" noChangeAspect="1" noMove="1" noResize="1" noEditPoints="1" noAdjustHandles="1" noChangeArrowheads="1" noChangeShapeType="1" noTextEdit="1"/>
-          </p:cNvSpPr>
-          <p:nvPr>
-            <p:extLst>
-              <p:ext uri="{386F3935-93C4-4BCD-93E2-E3B085C9AB24}">
-                <p16:designElem xmlns:p16="http://schemas.microsoft.com/office/powerpoint/2015/main" val="1"/>
-              </p:ext>
-            </p:extLst>
-          </p:nvPr>
-        </p:nvSpPr>
-        <p:spPr>
-          <a:xfrm flipH="1">
-            <a:off x="-15875" y="-3"/>
-            <a:ext cx="12233581" cy="6868076"/>
-          </a:xfrm>
-          <a:prstGeom prst="rect">
-            <a:avLst/>
-          </a:prstGeom>
-          <a:gradFill>
-            <a:gsLst>
-              <a:gs pos="3000">
-                <a:schemeClr val="accent1">
-                  <a:lumMod val="75000"/>
-                  <a:alpha val="0"/>
-                </a:schemeClr>
-              </a:gs>
-              <a:gs pos="100000">
-                <a:srgbClr val="000000">
-                  <a:alpha val="73000"/>
-                </a:srgbClr>
-              </a:gs>
-            </a:gsLst>
-            <a:lin ang="17400000" scaled="0"/>
-          </a:gradFill>
-          <a:ln>
-            <a:noFill/>
-          </a:ln>
-        </p:spPr>
-        <p:style>
-          <a:lnRef idx="2">
-            <a:schemeClr val="accent1">
-              <a:shade val="50000"/>
-            </a:schemeClr>
-          </a:lnRef>
-          <a:fillRef idx="1">
-            <a:schemeClr val="accent1"/>
-          </a:fillRef>
-          <a:effectRef idx="0">
-            <a:schemeClr val="accent1"/>
-          </a:effectRef>
-          <a:fontRef idx="minor">
-            <a:schemeClr val="lt1"/>
-          </a:fontRef>
-        </p:style>
-        <p:txBody>
-          <a:bodyPr rtlCol="0" anchor="ctr"/>
-          <a:lstStyle/>
-          <a:p>
-            <a:pPr algn="ctr"/>
-            <a:endParaRPr lang="en-US"/>
-          </a:p>
-        </p:txBody>
-      </p:sp>
-      <p:sp>
-        <p:nvSpPr>
-          <p:cNvPr id="18" name="Rectangle 17">
-            <a:extLst>
-              <a:ext uri="{FF2B5EF4-FFF2-40B4-BE49-F238E27FC236}">
-                <a16:creationId xmlns:a16="http://schemas.microsoft.com/office/drawing/2014/main" id="{646B67A4-D328-4747-A82B-65E84FA46368}"/>
-              </a:ext>
-              <a:ext uri="{C183D7F6-B498-43B3-948B-1728B52AA6E4}">
-                <adec:decorative xmlns:adec="http://schemas.microsoft.com/office/drawing/2017/decorative" val="1"/>
-              </a:ext>
-            </a:extLst>
-          </p:cNvPr>
-          <p:cNvSpPr>
-            <a:spLocks noGrp="1" noRot="1" noChangeAspect="1" noMove="1" noResize="1" noEditPoints="1" noAdjustHandles="1" noChangeArrowheads="1" noChangeShapeType="1" noTextEdit="1"/>
-          </p:cNvSpPr>
-          <p:nvPr>
-            <p:extLst>
-              <p:ext uri="{386F3935-93C4-4BCD-93E2-E3B085C9AB24}">
-                <p16:designElem xmlns:p16="http://schemas.microsoft.com/office/powerpoint/2015/main" val="1"/>
-              </p:ext>
-            </p:extLst>
-          </p:nvPr>
-        </p:nvSpPr>
-        <p:spPr>
-          <a:xfrm rot="5400000" flipH="1">
-            <a:off x="4484334" y="-861824"/>
-            <a:ext cx="6861931" cy="8597859"/>
-          </a:xfrm>
-          <a:prstGeom prst="rect">
-            <a:avLst/>
-          </a:prstGeom>
-          <a:gradFill>
-            <a:gsLst>
-              <a:gs pos="3000">
-                <a:schemeClr val="accent1">
-                  <a:lumMod val="75000"/>
-                  <a:alpha val="0"/>
-                </a:schemeClr>
-              </a:gs>
-              <a:gs pos="100000">
-                <a:srgbClr val="000000">
-                  <a:alpha val="27000"/>
-                </a:srgbClr>
-              </a:gs>
-            </a:gsLst>
-            <a:lin ang="13800000" scaled="0"/>
-          </a:gradFill>
-          <a:ln>
-            <a:noFill/>
-          </a:ln>
-        </p:spPr>
-        <p:style>
-          <a:lnRef idx="2">
-            <a:schemeClr val="accent1">
-              <a:shade val="50000"/>
-            </a:schemeClr>
-          </a:lnRef>
-          <a:fillRef idx="1">
-            <a:schemeClr val="accent1"/>
-          </a:fillRef>
-          <a:effectRef idx="0">
-            <a:schemeClr val="accent1"/>
-          </a:effectRef>
-          <a:fontRef idx="minor">
-            <a:schemeClr val="lt1"/>
-          </a:fontRef>
-        </p:style>
-        <p:txBody>
-          <a:bodyPr rtlCol="0" anchor="ctr"/>
-          <a:lstStyle/>
-          <a:p>
-            <a:pPr algn="ctr"/>
-            <a:endParaRPr lang="en-US"/>
-          </a:p>
-        </p:txBody>
-      </p:sp>
-      <p:sp>
-        <p:nvSpPr>
-          <p:cNvPr id="20" name="Oval 19">
-            <a:extLst>
-              <a:ext uri="{FF2B5EF4-FFF2-40B4-BE49-F238E27FC236}">
-                <a16:creationId xmlns:a16="http://schemas.microsoft.com/office/drawing/2014/main" id="{B5A1B09C-1565-46F8-B70F-621C5EB48A09}"/>
-              </a:ext>
-              <a:ext uri="{C183D7F6-B498-43B3-948B-1728B52AA6E4}">
-                <adec:decorative xmlns:adec="http://schemas.microsoft.com/office/drawing/2017/decorative" val="1"/>
-              </a:ext>
-            </a:extLst>
-          </p:cNvPr>
-          <p:cNvSpPr>
-            <a:spLocks noGrp="1" noRot="1" noChangeAspect="1" noMove="1" noResize="1" noEditPoints="1" noAdjustHandles="1" noChangeArrowheads="1" noChangeShapeType="1" noTextEdit="1"/>
-          </p:cNvSpPr>
-          <p:nvPr>
-            <p:extLst>
-              <p:ext uri="{386F3935-93C4-4BCD-93E2-E3B085C9AB24}">
-                <p16:designElem xmlns:p16="http://schemas.microsoft.com/office/powerpoint/2015/main" val="1"/>
-              </p:ext>
-            </p:extLst>
-          </p:nvPr>
-        </p:nvSpPr>
-        <p:spPr>
-          <a:xfrm rot="5993193">
-            <a:off x="1186972" y="1089049"/>
-            <a:ext cx="4967533" cy="4988390"/>
-          </a:xfrm>
-          <a:prstGeom prst="ellipse">
-            <a:avLst/>
-          </a:prstGeom>
-          <a:gradFill>
-            <a:gsLst>
-              <a:gs pos="0">
-                <a:schemeClr val="accent1">
-                  <a:alpha val="26000"/>
-                </a:schemeClr>
-              </a:gs>
-              <a:gs pos="85000">
-                <a:schemeClr val="accent1">
-                  <a:lumMod val="60000"/>
-                  <a:lumOff val="40000"/>
-                  <a:alpha val="0"/>
-                </a:schemeClr>
-              </a:gs>
-            </a:gsLst>
-            <a:lin ang="14400000" scaled="0"/>
-          </a:gradFill>
-          <a:ln>
-            <a:noFill/>
-          </a:ln>
-        </p:spPr>
-        <p:style>
-          <a:lnRef idx="2">
-            <a:schemeClr val="accent1">
-              <a:shade val="50000"/>
-            </a:schemeClr>
-          </a:lnRef>
-          <a:fillRef idx="1">
-            <a:schemeClr val="accent1"/>
-          </a:fillRef>
-          <a:effectRef idx="0">
-            <a:schemeClr val="accent1"/>
-          </a:effectRef>
-          <a:fontRef idx="minor">
-            <a:schemeClr val="lt1"/>
-          </a:fontRef>
-        </p:style>
-        <p:txBody>
-          <a:bodyPr rtlCol="0" anchor="ctr"/>
-          <a:lstStyle/>
-          <a:p>
-            <a:pPr algn="ctr"/>
-            <a:endParaRPr lang="en-US" dirty="0"/>
-          </a:p>
-        </p:txBody>
-      </p:sp>
-      <p:sp>
-        <p:nvSpPr>
-          <p:cNvPr id="2" name="Titel 1">
-            <a:extLst>
-              <a:ext uri="{FF2B5EF4-FFF2-40B4-BE49-F238E27FC236}">
-                <a16:creationId xmlns:a16="http://schemas.microsoft.com/office/drawing/2014/main" id="{A271C62B-DB5D-778D-DE14-ABF776D8FDA2}"/>
-              </a:ext>
-            </a:extLst>
-          </p:cNvPr>
-          <p:cNvSpPr>
-            <a:spLocks noGrp="1"/>
-          </p:cNvSpPr>
-          <p:nvPr>
-            <p:ph type="title"/>
-          </p:nvPr>
-        </p:nvSpPr>
-        <p:spPr>
-          <a:xfrm>
-            <a:off x="4162567" y="818984"/>
-            <a:ext cx="6714699" cy="3178689"/>
-          </a:xfrm>
-        </p:spPr>
-        <p:txBody>
-          <a:bodyPr vert="horz" lIns="91440" tIns="45720" rIns="91440" bIns="45720" rtlCol="0" anchor="b">
-            <a:normAutofit/>
-          </a:bodyPr>
-          <a:lstStyle/>
-          <a:p>
-            <a:r>
-              <a:rPr lang="en-US" sz="4800" kern="1200">
-                <a:solidFill>
-                  <a:srgbClr val="FFFFFF"/>
-                </a:solidFill>
-                <a:latin typeface="+mj-lt"/>
-                <a:ea typeface="+mj-ea"/>
-                <a:cs typeface="+mj-cs"/>
-              </a:rPr>
-              <a:t>Conclusie</a:t>
-            </a:r>
-          </a:p>
-        </p:txBody>
-      </p:sp>
-      <p:sp>
-        <p:nvSpPr>
-          <p:cNvPr id="22" name="Rectangle 21">
-            <a:extLst>
-              <a:ext uri="{FF2B5EF4-FFF2-40B4-BE49-F238E27FC236}">
-                <a16:creationId xmlns:a16="http://schemas.microsoft.com/office/drawing/2014/main" id="{8C516CC8-80AC-446C-A56E-9F54B7210402}"/>
-              </a:ext>
-              <a:ext uri="{C183D7F6-B498-43B3-948B-1728B52AA6E4}">
-                <adec:decorative xmlns:adec="http://schemas.microsoft.com/office/drawing/2017/decorative" val="1"/>
-              </a:ext>
-            </a:extLst>
-          </p:cNvPr>
-          <p:cNvSpPr>
-            <a:spLocks noGrp="1" noRot="1" noChangeAspect="1" noMove="1" noResize="1" noEditPoints="1" noAdjustHandles="1" noChangeArrowheads="1" noChangeShapeType="1" noTextEdit="1"/>
-          </p:cNvSpPr>
-          <p:nvPr>
-            <p:extLst>
-              <p:ext uri="{386F3935-93C4-4BCD-93E2-E3B085C9AB24}">
-                <p16:designElem xmlns:p16="http://schemas.microsoft.com/office/powerpoint/2015/main" val="1"/>
-              </p:ext>
-            </p:extLst>
-          </p:nvPr>
-        </p:nvSpPr>
-        <p:spPr>
-          <a:xfrm flipH="1">
-            <a:off x="-3" y="4490110"/>
-            <a:ext cx="12217710" cy="2377962"/>
-          </a:xfrm>
-          <a:prstGeom prst="rect">
-            <a:avLst/>
-          </a:prstGeom>
-          <a:gradFill>
-            <a:gsLst>
-              <a:gs pos="0">
-                <a:schemeClr val="accent1">
-                  <a:lumMod val="75000"/>
-                  <a:alpha val="50000"/>
-                </a:schemeClr>
-              </a:gs>
-              <a:gs pos="99000">
-                <a:srgbClr val="000000">
-                  <a:alpha val="34000"/>
-                </a:srgbClr>
-              </a:gs>
-            </a:gsLst>
-            <a:lin ang="13200000" scaled="0"/>
-          </a:gradFill>
-          <a:ln>
-            <a:noFill/>
-          </a:ln>
-        </p:spPr>
-        <p:style>
-          <a:lnRef idx="2">
-            <a:schemeClr val="accent1">
-              <a:shade val="50000"/>
-            </a:schemeClr>
-          </a:lnRef>
-          <a:fillRef idx="1">
-            <a:schemeClr val="accent1"/>
-          </a:fillRef>
-          <a:effectRef idx="0">
-            <a:schemeClr val="accent1"/>
-          </a:effectRef>
-          <a:fontRef idx="minor">
-            <a:schemeClr val="lt1"/>
-          </a:fontRef>
-        </p:style>
-        <p:txBody>
-          <a:bodyPr rtlCol="0" anchor="ctr"/>
-          <a:lstStyle/>
-          <a:p>
-            <a:pPr algn="ctr"/>
-            <a:endParaRPr lang="en-US"/>
-          </a:p>
-        </p:txBody>
-      </p:sp>
-    </p:spTree>
-    <p:extLst>
-      <p:ext uri="{BB962C8B-B14F-4D97-AF65-F5344CB8AC3E}">
-        <p14:creationId xmlns:p14="http://schemas.microsoft.com/office/powerpoint/2010/main" val="1054010890"/>
-      </p:ext>
-    </p:extLst>
-  </p:cSld>
-  <p:clrMapOvr>
-    <a:masterClrMapping/>
-  </p:clrMapOvr>
-</p:sld>
-</file>
-
-<file path=ppt/slides/slide14.xml><?xml version="1.0" encoding="utf-8"?>
-<p:sld xmlns:a="http://schemas.openxmlformats.org/drawingml/2006/main" xmlns:r="http://schemas.openxmlformats.org/officeDocument/2006/relationships" xmlns:p="http://schemas.openxmlformats.org/presentationml/2006/main">
-  <p:cSld>
-    <p:bg>
-      <p:bgPr>
-        <a:solidFill>
-          <a:schemeClr val="bg1"/>
-        </a:solidFill>
-        <a:effectLst/>
-      </p:bgPr>
-    </p:bg>
-    <p:spTree>
-      <p:nvGrpSpPr>
-        <p:cNvPr id="1" name=""/>
-        <p:cNvGrpSpPr/>
-        <p:nvPr/>
-      </p:nvGrpSpPr>
-      <p:grpSpPr>
-        <a:xfrm>
-          <a:off x="0" y="0"/>
-          <a:ext cx="0" cy="0"/>
-          <a:chOff x="0" y="0"/>
-          <a:chExt cx="0" cy="0"/>
-        </a:xfrm>
-      </p:grpSpPr>
-      <p:sp useBgFill="1">
-        <p:nvSpPr>
-          <p:cNvPr id="38" name="Rectangle 37">
-            <a:extLst>
-              <a:ext uri="{FF2B5EF4-FFF2-40B4-BE49-F238E27FC236}">
-                <a16:creationId xmlns:a16="http://schemas.microsoft.com/office/drawing/2014/main" id="{A8384FB5-9ADC-4DDC-881B-597D56F5B15D}"/>
-              </a:ext>
-              <a:ext uri="{C183D7F6-B498-43B3-948B-1728B52AA6E4}">
-                <adec:decorative xmlns:adec="http://schemas.microsoft.com/office/drawing/2017/decorative" val="1"/>
-              </a:ext>
-            </a:extLst>
-          </p:cNvPr>
-          <p:cNvSpPr>
-            <a:spLocks noGrp="1" noRot="1" noChangeAspect="1" noMove="1" noResize="1" noEditPoints="1" noAdjustHandles="1" noChangeArrowheads="1" noChangeShapeType="1" noTextEdit="1"/>
-          </p:cNvSpPr>
-          <p:nvPr>
-            <p:extLst>
-              <p:ext uri="{386F3935-93C4-4BCD-93E2-E3B085C9AB24}">
-                <p16:designElem xmlns:p16="http://schemas.microsoft.com/office/powerpoint/2015/main" val="1"/>
-              </p:ext>
-            </p:extLst>
-          </p:nvPr>
-        </p:nvSpPr>
-        <p:spPr>
-          <a:xfrm>
-            <a:off x="0" y="0"/>
-            <a:ext cx="12192000" cy="6858000"/>
-          </a:xfrm>
-          <a:prstGeom prst="rect">
-            <a:avLst/>
-          </a:prstGeom>
-          <a:ln w="12700" cap="flat" cmpd="sng" algn="ctr">
-            <a:noFill/>
-            <a:prstDash val="solid"/>
-            <a:miter lim="800000"/>
-          </a:ln>
-          <a:effectLst/>
-          <a:extLst>
-            <a:ext uri="{91240B29-F687-4F45-9708-019B960494DF}">
-              <a14:hiddenLine xmlns:a14="http://schemas.microsoft.com/office/drawing/2010/main" w="12700" cap="flat" cmpd="sng" algn="ctr">
-                <a:solidFill>
-                  <a:schemeClr val="accent1">
-                    <a:shade val="50000"/>
-                  </a:schemeClr>
-                </a:solidFill>
-                <a:prstDash val="solid"/>
-                <a:miter lim="800000"/>
-              </a14:hiddenLine>
-            </a:ext>
-          </a:extLst>
-        </p:spPr>
-        <p:style>
-          <a:lnRef idx="2">
-            <a:schemeClr val="accent1">
-              <a:shade val="50000"/>
-            </a:schemeClr>
-          </a:lnRef>
-          <a:fillRef idx="1">
-            <a:schemeClr val="accent1"/>
-          </a:fillRef>
-          <a:effectRef idx="0">
-            <a:schemeClr val="accent1"/>
-          </a:effectRef>
-          <a:fontRef idx="minor">
-            <a:schemeClr val="lt1"/>
-          </a:fontRef>
-        </p:style>
-        <p:txBody>
-          <a:bodyPr rtlCol="0" anchor="ctr"/>
-          <a:lstStyle/>
-          <a:p>
-            <a:pPr algn="ctr"/>
-            <a:endParaRPr lang="en-US"/>
-          </a:p>
-        </p:txBody>
-      </p:sp>
-      <p:sp>
-        <p:nvSpPr>
           <p:cNvPr id="40" name="Rectangle 39">
             <a:extLst>
               <a:ext uri="{FF2B5EF4-FFF2-40B4-BE49-F238E27FC236}">
@@ -6659,7 +6123,7 @@
 </p:sld>
 </file>
 
-<file path=ppt/slides/slide15.xml><?xml version="1.0" encoding="utf-8"?>
+<file path=ppt/slides/slide14.xml><?xml version="1.0" encoding="utf-8"?>
 <p:sld xmlns:a="http://schemas.openxmlformats.org/drawingml/2006/main" xmlns:r="http://schemas.openxmlformats.org/officeDocument/2006/relationships" xmlns:p="http://schemas.openxmlformats.org/presentationml/2006/main">
   <p:cSld>
     <p:bg>
@@ -11380,6 +10844,14 @@
 <file path=ppt/slides/slide9.xml><?xml version="1.0" encoding="utf-8"?>
 <p:sld xmlns:a="http://schemas.openxmlformats.org/drawingml/2006/main" xmlns:r="http://schemas.openxmlformats.org/officeDocument/2006/relationships" xmlns:p="http://schemas.openxmlformats.org/presentationml/2006/main">
   <p:cSld>
+    <p:bg>
+      <p:bgPr>
+        <a:solidFill>
+          <a:schemeClr val="bg1"/>
+        </a:solidFill>
+        <a:effectLst/>
+      </p:bgPr>
+    </p:bg>
     <p:spTree>
       <p:nvGrpSpPr>
         <p:cNvPr id="1" name=""/>
@@ -11394,12 +10866,390 @@
           <a:chExt cx="0" cy="0"/>
         </a:xfrm>
       </p:grpSpPr>
+      <p:sp useBgFill="1">
+        <p:nvSpPr>
+          <p:cNvPr id="36" name="Rectangle 35">
+            <a:extLst>
+              <a:ext uri="{FF2B5EF4-FFF2-40B4-BE49-F238E27FC236}">
+                <a16:creationId xmlns:a16="http://schemas.microsoft.com/office/drawing/2014/main" id="{2151139A-886F-4B97-8815-729AD3831BBD}"/>
+              </a:ext>
+              <a:ext uri="{C183D7F6-B498-43B3-948B-1728B52AA6E4}">
+                <adec:decorative xmlns:adec="http://schemas.microsoft.com/office/drawing/2017/decorative" val="1"/>
+              </a:ext>
+            </a:extLst>
+          </p:cNvPr>
+          <p:cNvSpPr>
+            <a:spLocks noGrp="1" noRot="1" noChangeAspect="1" noMove="1" noResize="1" noEditPoints="1" noAdjustHandles="1" noChangeArrowheads="1" noChangeShapeType="1" noTextEdit="1"/>
+          </p:cNvSpPr>
+          <p:nvPr>
+            <p:extLst>
+              <p:ext uri="{386F3935-93C4-4BCD-93E2-E3B085C9AB24}">
+                <p16:designElem xmlns:p16="http://schemas.microsoft.com/office/powerpoint/2015/main" val="1"/>
+              </p:ext>
+            </p:extLst>
+          </p:nvPr>
+        </p:nvSpPr>
+        <p:spPr>
+          <a:xfrm>
+            <a:off x="0" y="0"/>
+            <a:ext cx="12192000" cy="6858000"/>
+          </a:xfrm>
+          <a:prstGeom prst="rect">
+            <a:avLst/>
+          </a:prstGeom>
+          <a:ln w="12700" cap="flat" cmpd="sng" algn="ctr">
+            <a:noFill/>
+            <a:prstDash val="solid"/>
+            <a:miter lim="800000"/>
+          </a:ln>
+          <a:effectLst/>
+          <a:extLst>
+            <a:ext uri="{91240B29-F687-4F45-9708-019B960494DF}">
+              <a14:hiddenLine xmlns:a14="http://schemas.microsoft.com/office/drawing/2010/main" w="12700" cap="flat" cmpd="sng" algn="ctr">
+                <a:solidFill>
+                  <a:schemeClr val="accent1">
+                    <a:shade val="50000"/>
+                  </a:schemeClr>
+                </a:solidFill>
+                <a:prstDash val="solid"/>
+                <a:miter lim="800000"/>
+              </a14:hiddenLine>
+            </a:ext>
+          </a:extLst>
+        </p:spPr>
+        <p:style>
+          <a:lnRef idx="2">
+            <a:schemeClr val="accent1">
+              <a:shade val="50000"/>
+            </a:schemeClr>
+          </a:lnRef>
+          <a:fillRef idx="1">
+            <a:schemeClr val="accent1"/>
+          </a:fillRef>
+          <a:effectRef idx="0">
+            <a:schemeClr val="accent1"/>
+          </a:effectRef>
+          <a:fontRef idx="minor">
+            <a:schemeClr val="lt1"/>
+          </a:fontRef>
+        </p:style>
+        <p:txBody>
+          <a:bodyPr rtlCol="0" anchor="ctr"/>
+          <a:lstStyle/>
+          <a:p>
+            <a:pPr algn="ctr"/>
+            <a:endParaRPr lang="en-US" sz="2000"/>
+          </a:p>
+        </p:txBody>
+      </p:sp>
+      <p:sp>
+        <p:nvSpPr>
+          <p:cNvPr id="38" name="Rectangle 37">
+            <a:extLst>
+              <a:ext uri="{FF2B5EF4-FFF2-40B4-BE49-F238E27FC236}">
+                <a16:creationId xmlns:a16="http://schemas.microsoft.com/office/drawing/2014/main" id="{AB5E08C4-8CDD-4623-A5B8-E998C6DEE3B7}"/>
+              </a:ext>
+              <a:ext uri="{C183D7F6-B498-43B3-948B-1728B52AA6E4}">
+                <adec:decorative xmlns:adec="http://schemas.microsoft.com/office/drawing/2017/decorative" val="1"/>
+              </a:ext>
+            </a:extLst>
+          </p:cNvPr>
+          <p:cNvSpPr>
+            <a:spLocks noGrp="1" noRot="1" noChangeAspect="1" noMove="1" noResize="1" noEditPoints="1" noAdjustHandles="1" noChangeArrowheads="1" noChangeShapeType="1" noTextEdit="1"/>
+          </p:cNvSpPr>
+          <p:nvPr>
+            <p:extLst>
+              <p:ext uri="{386F3935-93C4-4BCD-93E2-E3B085C9AB24}">
+                <p16:designElem xmlns:p16="http://schemas.microsoft.com/office/powerpoint/2015/main" val="1"/>
+              </p:ext>
+            </p:extLst>
+          </p:nvPr>
+        </p:nvSpPr>
+        <p:spPr>
+          <a:xfrm flipH="1">
+            <a:off x="2" y="492"/>
+            <a:ext cx="12191998" cy="1575955"/>
+          </a:xfrm>
+          <a:prstGeom prst="rect">
+            <a:avLst/>
+          </a:prstGeom>
+          <a:gradFill>
+            <a:gsLst>
+              <a:gs pos="0">
+                <a:schemeClr val="accent1">
+                  <a:lumMod val="50000"/>
+                </a:schemeClr>
+              </a:gs>
+              <a:gs pos="100000">
+                <a:schemeClr val="accent1">
+                  <a:lumMod val="75000"/>
+                </a:schemeClr>
+              </a:gs>
+            </a:gsLst>
+            <a:lin ang="8400000" scaled="0"/>
+          </a:gradFill>
+          <a:ln>
+            <a:noFill/>
+          </a:ln>
+        </p:spPr>
+        <p:style>
+          <a:lnRef idx="2">
+            <a:schemeClr val="accent1">
+              <a:shade val="50000"/>
+            </a:schemeClr>
+          </a:lnRef>
+          <a:fillRef idx="1">
+            <a:schemeClr val="accent1"/>
+          </a:fillRef>
+          <a:effectRef idx="0">
+            <a:schemeClr val="accent1"/>
+          </a:effectRef>
+          <a:fontRef idx="minor">
+            <a:schemeClr val="lt1"/>
+          </a:fontRef>
+        </p:style>
+        <p:txBody>
+          <a:bodyPr rtlCol="0" anchor="ctr"/>
+          <a:lstStyle/>
+          <a:p>
+            <a:pPr algn="ctr"/>
+            <a:endParaRPr lang="en-US"/>
+          </a:p>
+        </p:txBody>
+      </p:sp>
+      <p:sp>
+        <p:nvSpPr>
+          <p:cNvPr id="40" name="Rectangle 39">
+            <a:extLst>
+              <a:ext uri="{FF2B5EF4-FFF2-40B4-BE49-F238E27FC236}">
+                <a16:creationId xmlns:a16="http://schemas.microsoft.com/office/drawing/2014/main" id="{15F33878-D502-4FFA-8ACE-F2AECDB2A23F}"/>
+              </a:ext>
+              <a:ext uri="{C183D7F6-B498-43B3-948B-1728B52AA6E4}">
+                <adec:decorative xmlns:adec="http://schemas.microsoft.com/office/drawing/2017/decorative" val="1"/>
+              </a:ext>
+            </a:extLst>
+          </p:cNvPr>
+          <p:cNvSpPr>
+            <a:spLocks noGrp="1" noRot="1" noChangeAspect="1" noMove="1" noResize="1" noEditPoints="1" noAdjustHandles="1" noChangeArrowheads="1" noChangeShapeType="1" noTextEdit="1"/>
+          </p:cNvSpPr>
+          <p:nvPr>
+            <p:extLst>
+              <p:ext uri="{386F3935-93C4-4BCD-93E2-E3B085C9AB24}">
+                <p16:designElem xmlns:p16="http://schemas.microsoft.com/office/powerpoint/2015/main" val="1"/>
+              </p:ext>
+            </p:extLst>
+          </p:nvPr>
+        </p:nvSpPr>
+        <p:spPr>
+          <a:xfrm rot="10800000" flipH="1">
+            <a:off x="8128857" y="35"/>
+            <a:ext cx="4063143" cy="1576412"/>
+          </a:xfrm>
+          <a:prstGeom prst="rect">
+            <a:avLst/>
+          </a:prstGeom>
+          <a:gradFill>
+            <a:gsLst>
+              <a:gs pos="19000">
+                <a:schemeClr val="accent1">
+                  <a:lumMod val="50000"/>
+                  <a:alpha val="68000"/>
+                </a:schemeClr>
+              </a:gs>
+              <a:gs pos="100000">
+                <a:schemeClr val="accent1">
+                  <a:alpha val="79000"/>
+                </a:schemeClr>
+              </a:gs>
+            </a:gsLst>
+            <a:lin ang="19200000" scaled="0"/>
+          </a:gradFill>
+          <a:ln>
+            <a:noFill/>
+          </a:ln>
+        </p:spPr>
+        <p:style>
+          <a:lnRef idx="2">
+            <a:schemeClr val="accent1">
+              <a:shade val="50000"/>
+            </a:schemeClr>
+          </a:lnRef>
+          <a:fillRef idx="1">
+            <a:schemeClr val="accent1"/>
+          </a:fillRef>
+          <a:effectRef idx="0">
+            <a:schemeClr val="accent1"/>
+          </a:effectRef>
+          <a:fontRef idx="minor">
+            <a:schemeClr val="lt1"/>
+          </a:fontRef>
+        </p:style>
+        <p:txBody>
+          <a:bodyPr rtlCol="0" anchor="ctr"/>
+          <a:lstStyle/>
+          <a:p>
+            <a:pPr algn="ctr"/>
+            <a:endParaRPr lang="en-US"/>
+          </a:p>
+        </p:txBody>
+      </p:sp>
+      <p:sp>
+        <p:nvSpPr>
+          <p:cNvPr id="42" name="Rectangle 41">
+            <a:extLst>
+              <a:ext uri="{FF2B5EF4-FFF2-40B4-BE49-F238E27FC236}">
+                <a16:creationId xmlns:a16="http://schemas.microsoft.com/office/drawing/2014/main" id="{D3539FEE-81D3-4406-802E-60B20B16F4F6}"/>
+              </a:ext>
+              <a:ext uri="{C183D7F6-B498-43B3-948B-1728B52AA6E4}">
+                <adec:decorative xmlns:adec="http://schemas.microsoft.com/office/drawing/2017/decorative" val="1"/>
+              </a:ext>
+            </a:extLst>
+          </p:cNvPr>
+          <p:cNvSpPr>
+            <a:spLocks noGrp="1" noRot="1" noChangeAspect="1" noMove="1" noResize="1" noEditPoints="1" noAdjustHandles="1" noChangeArrowheads="1" noChangeShapeType="1" noTextEdit="1"/>
+          </p:cNvSpPr>
+          <p:nvPr>
+            <p:extLst>
+              <p:ext uri="{386F3935-93C4-4BCD-93E2-E3B085C9AB24}">
+                <p16:designElem xmlns:p16="http://schemas.microsoft.com/office/powerpoint/2015/main" val="1"/>
+              </p:ext>
+            </p:extLst>
+          </p:nvPr>
+        </p:nvSpPr>
+        <p:spPr>
+          <a:xfrm rot="5400000">
+            <a:off x="5307778" y="-5307777"/>
+            <a:ext cx="1576446" cy="12192001"/>
+          </a:xfrm>
+          <a:prstGeom prst="rect">
+            <a:avLst/>
+          </a:prstGeom>
+          <a:gradFill>
+            <a:gsLst>
+              <a:gs pos="16000">
+                <a:srgbClr val="000000">
+                  <a:alpha val="0"/>
+                </a:srgbClr>
+              </a:gs>
+              <a:gs pos="99000">
+                <a:srgbClr val="000000">
+                  <a:alpha val="87000"/>
+                </a:srgbClr>
+              </a:gs>
+            </a:gsLst>
+            <a:lin ang="11400000" scaled="0"/>
+          </a:gradFill>
+          <a:ln>
+            <a:noFill/>
+          </a:ln>
+        </p:spPr>
+        <p:style>
+          <a:lnRef idx="2">
+            <a:schemeClr val="accent1">
+              <a:shade val="50000"/>
+            </a:schemeClr>
+          </a:lnRef>
+          <a:fillRef idx="1">
+            <a:schemeClr val="accent1"/>
+          </a:fillRef>
+          <a:effectRef idx="0">
+            <a:schemeClr val="accent1"/>
+          </a:effectRef>
+          <a:fontRef idx="minor">
+            <a:schemeClr val="lt1"/>
+          </a:fontRef>
+        </p:style>
+        <p:txBody>
+          <a:bodyPr rtlCol="0" anchor="ctr"/>
+          <a:lstStyle/>
+          <a:p>
+            <a:pPr algn="ctr"/>
+            <a:endParaRPr lang="en-US" dirty="0"/>
+          </a:p>
+        </p:txBody>
+      </p:sp>
+      <p:sp>
+        <p:nvSpPr>
+          <p:cNvPr id="44" name="Rectangle 43">
+            <a:extLst>
+              <a:ext uri="{FF2B5EF4-FFF2-40B4-BE49-F238E27FC236}">
+                <a16:creationId xmlns:a16="http://schemas.microsoft.com/office/drawing/2014/main" id="{DC701763-729E-462F-A5A8-E0DEFEB1E2E4}"/>
+              </a:ext>
+              <a:ext uri="{C183D7F6-B498-43B3-948B-1728B52AA6E4}">
+                <adec:decorative xmlns:adec="http://schemas.microsoft.com/office/drawing/2017/decorative" val="1"/>
+              </a:ext>
+            </a:extLst>
+          </p:cNvPr>
+          <p:cNvSpPr>
+            <a:spLocks noGrp="1" noRot="1" noChangeAspect="1" noMove="1" noResize="1" noEditPoints="1" noAdjustHandles="1" noChangeArrowheads="1" noChangeShapeType="1" noTextEdit="1"/>
+          </p:cNvSpPr>
+          <p:nvPr>
+            <p:extLst>
+              <p:ext uri="{386F3935-93C4-4BCD-93E2-E3B085C9AB24}">
+                <p16:designElem xmlns:p16="http://schemas.microsoft.com/office/powerpoint/2015/main" val="1"/>
+              </p:ext>
+            </p:extLst>
+          </p:nvPr>
+        </p:nvSpPr>
+        <p:spPr>
+          <a:xfrm>
+            <a:off x="3825434" y="986"/>
+            <a:ext cx="4303422" cy="1575461"/>
+          </a:xfrm>
+          <a:prstGeom prst="rect">
+            <a:avLst/>
+          </a:prstGeom>
+          <a:gradFill>
+            <a:gsLst>
+              <a:gs pos="0">
+                <a:schemeClr val="accent1">
+                  <a:alpha val="17000"/>
+                </a:schemeClr>
+              </a:gs>
+              <a:gs pos="74000">
+                <a:schemeClr val="accent1">
+                  <a:lumMod val="50000"/>
+                  <a:alpha val="0"/>
+                </a:schemeClr>
+              </a:gs>
+            </a:gsLst>
+            <a:lin ang="14400000" scaled="0"/>
+          </a:gradFill>
+          <a:ln>
+            <a:noFill/>
+          </a:ln>
+        </p:spPr>
+        <p:style>
+          <a:lnRef idx="2">
+            <a:schemeClr val="accent1">
+              <a:shade val="50000"/>
+            </a:schemeClr>
+          </a:lnRef>
+          <a:fillRef idx="1">
+            <a:schemeClr val="accent1"/>
+          </a:fillRef>
+          <a:effectRef idx="0">
+            <a:schemeClr val="accent1"/>
+          </a:effectRef>
+          <a:fontRef idx="minor">
+            <a:schemeClr val="lt1"/>
+          </a:fontRef>
+        </p:style>
+        <p:txBody>
+          <a:bodyPr rtlCol="0" anchor="ctr"/>
+          <a:lstStyle/>
+          <a:p>
+            <a:pPr algn="ctr"/>
+            <a:endParaRPr lang="en-US"/>
+          </a:p>
+        </p:txBody>
+      </p:sp>
       <p:sp>
         <p:nvSpPr>
           <p:cNvPr id="2" name="Titel 1">
             <a:extLst>
               <a:ext uri="{FF2B5EF4-FFF2-40B4-BE49-F238E27FC236}">
-                <a16:creationId xmlns:a16="http://schemas.microsoft.com/office/drawing/2014/main" id="{78560EE1-6CBB-19CF-553D-E1FA80D1B3E7}"/>
+                <a16:creationId xmlns:a16="http://schemas.microsoft.com/office/drawing/2014/main" id="{F1D250CF-C4D1-95E0-7B20-FA053939C11B}"/>
               </a:ext>
             </a:extLst>
           </p:cNvPr>
@@ -11410,12 +11260,39 @@
             <p:ph type="title"/>
           </p:nvPr>
         </p:nvSpPr>
-        <p:spPr/>
-        <p:txBody>
-          <a:bodyPr/>
-          <a:lstStyle/>
-          <a:p>
-            <a:endParaRPr lang="nl-NL" dirty="0"/>
+        <p:spPr>
+          <a:xfrm>
+            <a:off x="699714" y="353160"/>
+            <a:ext cx="7091300" cy="898581"/>
+          </a:xfrm>
+        </p:spPr>
+        <p:txBody>
+          <a:bodyPr vert="horz" lIns="91440" tIns="45720" rIns="91440" bIns="45720" rtlCol="0" anchor="ctr">
+            <a:normAutofit/>
+          </a:bodyPr>
+          <a:lstStyle/>
+          <a:p>
+            <a:r>
+              <a:rPr lang="en-US" sz="4000" dirty="0">
+                <a:solidFill>
+                  <a:srgbClr val="FFFFFF"/>
+                </a:solidFill>
+              </a:rPr>
+              <a:t>De </a:t>
+            </a:r>
+            <a:r>
+              <a:rPr lang="en-US" sz="4000" dirty="0" err="1">
+                <a:solidFill>
+                  <a:srgbClr val="FFFFFF"/>
+                </a:solidFill>
+              </a:rPr>
+              <a:t>Realisatie</a:t>
+            </a:r>
+            <a:endParaRPr lang="en-US" sz="4000" dirty="0">
+              <a:solidFill>
+                <a:srgbClr val="FFFFFF"/>
+              </a:solidFill>
+            </a:endParaRPr>
           </a:p>
         </p:txBody>
       </p:sp>
@@ -11424,7 +11301,7 @@
           <p:cNvPr id="3" name="Tijdelijke aanduiding voor inhoud 2">
             <a:extLst>
               <a:ext uri="{FF2B5EF4-FFF2-40B4-BE49-F238E27FC236}">
-                <a16:creationId xmlns:a16="http://schemas.microsoft.com/office/drawing/2014/main" id="{5A368C92-61E4-3AE2-662E-6EB58AC747EC}"/>
+                <a16:creationId xmlns:a16="http://schemas.microsoft.com/office/drawing/2014/main" id="{4241C3C9-31CF-F4C1-8B59-1C02E7B63514}"/>
               </a:ext>
             </a:extLst>
           </p:cNvPr>
@@ -11435,19 +11312,66 @@
             <p:ph idx="1"/>
           </p:nvPr>
         </p:nvSpPr>
-        <p:spPr/>
-        <p:txBody>
-          <a:bodyPr/>
-          <a:lstStyle/>
-          <a:p>
-            <a:endParaRPr lang="nl-NL"/>
-          </a:p>
-        </p:txBody>
-      </p:sp>
+        <p:spPr>
+          <a:xfrm>
+            <a:off x="8571507" y="387224"/>
+            <a:ext cx="3291839" cy="830453"/>
+          </a:xfrm>
+        </p:spPr>
+        <p:txBody>
+          <a:bodyPr vert="horz" lIns="91440" tIns="45720" rIns="91440" bIns="45720" rtlCol="0" anchor="ctr">
+            <a:normAutofit/>
+          </a:bodyPr>
+          <a:lstStyle/>
+          <a:p>
+            <a:pPr marL="0" indent="0">
+              <a:buNone/>
+            </a:pPr>
+            <a:r>
+              <a:rPr lang="en-US" sz="2000" dirty="0">
+                <a:solidFill>
+                  <a:srgbClr val="FFFFFF"/>
+                </a:solidFill>
+              </a:rPr>
+              <a:t>Website</a:t>
+            </a:r>
+          </a:p>
+        </p:txBody>
+      </p:sp>
+      <p:pic>
+        <p:nvPicPr>
+          <p:cNvPr id="4" name="Tijdelijke aanduiding voor inhoud 4">
+            <a:extLst>
+              <a:ext uri="{FF2B5EF4-FFF2-40B4-BE49-F238E27FC236}">
+                <a16:creationId xmlns:a16="http://schemas.microsoft.com/office/drawing/2014/main" id="{159F701D-D418-719B-CFE9-21601219DAFE}"/>
+              </a:ext>
+            </a:extLst>
+          </p:cNvPr>
+          <p:cNvPicPr>
+            <a:picLocks noChangeAspect="1"/>
+          </p:cNvPicPr>
+          <p:nvPr/>
+        </p:nvPicPr>
+        <p:blipFill>
+          <a:blip r:embed="rId2"/>
+          <a:stretch>
+            <a:fillRect/>
+          </a:stretch>
+        </p:blipFill>
+        <p:spPr>
+          <a:xfrm>
+            <a:off x="-1" y="1570548"/>
+            <a:ext cx="12191997" cy="5287452"/>
+          </a:xfrm>
+          <a:prstGeom prst="rect">
+            <a:avLst/>
+          </a:prstGeom>
+        </p:spPr>
+      </p:pic>
     </p:spTree>
     <p:extLst>
       <p:ext uri="{BB962C8B-B14F-4D97-AF65-F5344CB8AC3E}">
-        <p14:creationId xmlns:p14="http://schemas.microsoft.com/office/powerpoint/2010/main" val="1498249192"/>
+        <p14:creationId xmlns:p14="http://schemas.microsoft.com/office/powerpoint/2010/main" val="2960235106"/>
       </p:ext>
     </p:extLst>
   </p:cSld>

--- a/P5P.pptx
+++ b/P5P.pptx
@@ -4525,6 +4525,136 @@
           </a:p>
         </p:txBody>
       </p:sp>
+      <p:pic>
+        <p:nvPicPr>
+          <p:cNvPr id="1026" name="Picture 2">
+            <a:extLst>
+              <a:ext uri="{FF2B5EF4-FFF2-40B4-BE49-F238E27FC236}">
+                <a16:creationId xmlns:a16="http://schemas.microsoft.com/office/drawing/2014/main" id="{D5620199-18D2-2FBF-5A98-F9CEF5FF927B}"/>
+              </a:ext>
+            </a:extLst>
+          </p:cNvPr>
+          <p:cNvPicPr>
+            <a:picLocks noChangeAspect="1" noChangeArrowheads="1"/>
+          </p:cNvPicPr>
+          <p:nvPr/>
+        </p:nvPicPr>
+        <p:blipFill>
+          <a:blip r:embed="rId2">
+            <a:extLst>
+              <a:ext uri="{28A0092B-C50C-407E-A947-70E740481C1C}">
+                <a14:useLocalDpi xmlns:a14="http://schemas.microsoft.com/office/drawing/2010/main" val="0"/>
+              </a:ext>
+            </a:extLst>
+          </a:blip>
+          <a:srcRect/>
+          <a:stretch>
+            <a:fillRect/>
+          </a:stretch>
+        </p:blipFill>
+        <p:spPr bwMode="auto">
+          <a:xfrm>
+            <a:off x="1505017" y="1752535"/>
+            <a:ext cx="2303800" cy="4929378"/>
+          </a:xfrm>
+          <a:prstGeom prst="rect">
+            <a:avLst/>
+          </a:prstGeom>
+          <a:noFill/>
+          <a:extLst>
+            <a:ext uri="{909E8E84-426E-40DD-AFC4-6F175D3DCCD1}">
+              <a14:hiddenFill xmlns:a14="http://schemas.microsoft.com/office/drawing/2010/main">
+                <a:solidFill>
+                  <a:srgbClr val="FFFFFF"/>
+                </a:solidFill>
+              </a14:hiddenFill>
+            </a:ext>
+          </a:extLst>
+        </p:spPr>
+      </p:pic>
+      <p:pic>
+        <p:nvPicPr>
+          <p:cNvPr id="1028" name="Picture 4">
+            <a:extLst>
+              <a:ext uri="{FF2B5EF4-FFF2-40B4-BE49-F238E27FC236}">
+                <a16:creationId xmlns:a16="http://schemas.microsoft.com/office/drawing/2014/main" id="{DDBE010E-7968-9D97-0AC5-10FD59304868}"/>
+              </a:ext>
+            </a:extLst>
+          </p:cNvPr>
+          <p:cNvPicPr>
+            <a:picLocks noChangeAspect="1" noChangeArrowheads="1"/>
+          </p:cNvPicPr>
+          <p:nvPr/>
+        </p:nvPicPr>
+        <p:blipFill>
+          <a:blip r:embed="rId3">
+            <a:extLst>
+              <a:ext uri="{28A0092B-C50C-407E-A947-70E740481C1C}">
+                <a14:useLocalDpi xmlns:a14="http://schemas.microsoft.com/office/drawing/2010/main" val="0"/>
+              </a:ext>
+            </a:extLst>
+          </a:blip>
+          <a:srcRect/>
+          <a:stretch>
+            <a:fillRect/>
+          </a:stretch>
+        </p:blipFill>
+        <p:spPr bwMode="auto">
+          <a:xfrm>
+            <a:off x="7848586" y="1752534"/>
+            <a:ext cx="2368840" cy="4929379"/>
+          </a:xfrm>
+          <a:prstGeom prst="rect">
+            <a:avLst/>
+          </a:prstGeom>
+          <a:noFill/>
+          <a:extLst>
+            <a:ext uri="{909E8E84-426E-40DD-AFC4-6F175D3DCCD1}">
+              <a14:hiddenFill xmlns:a14="http://schemas.microsoft.com/office/drawing/2010/main">
+                <a:solidFill>
+                  <a:srgbClr val="FFFFFF"/>
+                </a:solidFill>
+              </a14:hiddenFill>
+            </a:ext>
+          </a:extLst>
+        </p:spPr>
+      </p:pic>
+      <p:cxnSp>
+        <p:nvCxnSpPr>
+          <p:cNvPr id="4" name="Rechte verbindingslijn 3">
+            <a:extLst>
+              <a:ext uri="{FF2B5EF4-FFF2-40B4-BE49-F238E27FC236}">
+                <a16:creationId xmlns:a16="http://schemas.microsoft.com/office/drawing/2014/main" id="{7E055679-3BC5-170B-232D-CE284D2B8926}"/>
+              </a:ext>
+            </a:extLst>
+          </p:cNvPr>
+          <p:cNvCxnSpPr/>
+          <p:nvPr/>
+        </p:nvCxnSpPr>
+        <p:spPr>
+          <a:xfrm>
+            <a:off x="6096000" y="1576447"/>
+            <a:ext cx="0" cy="5281553"/>
+          </a:xfrm>
+          <a:prstGeom prst="line">
+            <a:avLst/>
+          </a:prstGeom>
+        </p:spPr>
+        <p:style>
+          <a:lnRef idx="1">
+            <a:schemeClr val="accent1"/>
+          </a:lnRef>
+          <a:fillRef idx="0">
+            <a:schemeClr val="accent1"/>
+          </a:fillRef>
+          <a:effectRef idx="0">
+            <a:schemeClr val="accent1"/>
+          </a:effectRef>
+          <a:fontRef idx="minor">
+            <a:schemeClr val="tx1"/>
+          </a:fontRef>
+        </p:style>
+      </p:cxnSp>
     </p:spTree>
     <p:extLst>
       <p:ext uri="{BB962C8B-B14F-4D97-AF65-F5344CB8AC3E}">
